--- a/book/final-project/previous-projects.pptx
+++ b/book/final-project/previous-projects.pptx
@@ -5,25 +5,27 @@
     <p:sldMasterId id="2147483648" r:id="rId1"/>
   </p:sldMasterIdLst>
   <p:notesMasterIdLst>
-    <p:notesMasterId r:id="rId18"/>
+    <p:notesMasterId r:id="rId20"/>
   </p:notesMasterIdLst>
   <p:sldIdLst>
     <p:sldId id="258" r:id="rId2"/>
     <p:sldId id="257" r:id="rId3"/>
-    <p:sldId id="267" r:id="rId4"/>
-    <p:sldId id="268" r:id="rId5"/>
-    <p:sldId id="269" r:id="rId6"/>
-    <p:sldId id="270" r:id="rId7"/>
-    <p:sldId id="271" r:id="rId8"/>
-    <p:sldId id="266" r:id="rId9"/>
-    <p:sldId id="260" r:id="rId10"/>
-    <p:sldId id="259" r:id="rId11"/>
-    <p:sldId id="261" r:id="rId12"/>
-    <p:sldId id="262" r:id="rId13"/>
-    <p:sldId id="263" r:id="rId14"/>
-    <p:sldId id="264" r:id="rId15"/>
-    <p:sldId id="265" r:id="rId16"/>
-    <p:sldId id="256" r:id="rId17"/>
+    <p:sldId id="268" r:id="rId4"/>
+    <p:sldId id="273" r:id="rId5"/>
+    <p:sldId id="274" r:id="rId6"/>
+    <p:sldId id="269" r:id="rId7"/>
+    <p:sldId id="275" r:id="rId8"/>
+    <p:sldId id="276" r:id="rId9"/>
+    <p:sldId id="277" r:id="rId10"/>
+    <p:sldId id="266" r:id="rId11"/>
+    <p:sldId id="260" r:id="rId12"/>
+    <p:sldId id="259" r:id="rId13"/>
+    <p:sldId id="261" r:id="rId14"/>
+    <p:sldId id="262" r:id="rId15"/>
+    <p:sldId id="263" r:id="rId16"/>
+    <p:sldId id="264" r:id="rId17"/>
+    <p:sldId id="265" r:id="rId18"/>
+    <p:sldId id="272" r:id="rId19"/>
   </p:sldIdLst>
   <p:sldSz cx="12192000" cy="6858000"/>
   <p:notesSz cx="6858000" cy="9144000"/>
@@ -130,6 +132,443 @@
 </p:presentation>
 </file>
 
+<file path=ppt/revisionInfo.xml><?xml version="1.0" encoding="utf-8"?>
+<p1510:revInfo xmlns:a="http://schemas.openxmlformats.org/drawingml/2006/main" xmlns:r="http://schemas.openxmlformats.org/officeDocument/2006/relationships" xmlns:p1510="http://schemas.microsoft.com/office/powerpoint/2015/10/main">
+  <p1510:revLst>
+    <p1510:client id="{331E10E0-5F82-174E-9D95-FB18A07708B4}" v="21" dt="2025-10-15T13:18:09.424"/>
+  </p1510:revLst>
+</p1510:revInfo>
+</file>
+
+<file path=ppt/changesInfos/changesInfo1.xml><?xml version="1.0" encoding="utf-8"?>
+<pc:chgInfo xmlns:a="http://schemas.openxmlformats.org/drawingml/2006/main" xmlns:r="http://schemas.openxmlformats.org/officeDocument/2006/relationships" xmlns:ac="http://schemas.microsoft.com/office/drawing/2013/main/command" xmlns:pc="http://schemas.microsoft.com/office/powerpoint/2013/main/command">
+  <pc:docChgLst>
+    <pc:chgData name="Johnny Ryan" userId="874082db-ab86-4e97-8577-862339cb002f" providerId="ADAL" clId="{37B80A4B-6D53-54BE-A0B1-F9D0895B7056}"/>
+    <pc:docChg chg="undo custSel addSld delSld modSld">
+      <pc:chgData name="Johnny Ryan" userId="874082db-ab86-4e97-8577-862339cb002f" providerId="ADAL" clId="{37B80A4B-6D53-54BE-A0B1-F9D0895B7056}" dt="2025-10-15T13:18:34.898" v="600" actId="14100"/>
+      <pc:docMkLst>
+        <pc:docMk/>
+      </pc:docMkLst>
+      <pc:sldChg chg="del">
+        <pc:chgData name="Johnny Ryan" userId="874082db-ab86-4e97-8577-862339cb002f" providerId="ADAL" clId="{37B80A4B-6D53-54BE-A0B1-F9D0895B7056}" dt="2025-10-15T12:37:33.944" v="39" actId="2696"/>
+        <pc:sldMkLst>
+          <pc:docMk/>
+          <pc:sldMk cId="1459041646" sldId="256"/>
+        </pc:sldMkLst>
+      </pc:sldChg>
+      <pc:sldChg chg="addSp delSp modSp mod">
+        <pc:chgData name="Johnny Ryan" userId="874082db-ab86-4e97-8577-862339cb002f" providerId="ADAL" clId="{37B80A4B-6D53-54BE-A0B1-F9D0895B7056}" dt="2025-10-15T12:49:33.573" v="107" actId="1076"/>
+        <pc:sldMkLst>
+          <pc:docMk/>
+          <pc:sldMk cId="2936744863" sldId="257"/>
+        </pc:sldMkLst>
+        <pc:spChg chg="del mod">
+          <ac:chgData name="Johnny Ryan" userId="874082db-ab86-4e97-8577-862339cb002f" providerId="ADAL" clId="{37B80A4B-6D53-54BE-A0B1-F9D0895B7056}" dt="2025-10-15T12:48:56.803" v="99" actId="478"/>
+          <ac:spMkLst>
+            <pc:docMk/>
+            <pc:sldMk cId="2936744863" sldId="257"/>
+            <ac:spMk id="2" creationId="{7BA22064-1651-98A0-9295-E49600C268E0}"/>
+          </ac:spMkLst>
+        </pc:spChg>
+        <pc:picChg chg="add mod">
+          <ac:chgData name="Johnny Ryan" userId="874082db-ab86-4e97-8577-862339cb002f" providerId="ADAL" clId="{37B80A4B-6D53-54BE-A0B1-F9D0895B7056}" dt="2025-10-15T12:49:05.252" v="101" actId="1076"/>
+          <ac:picMkLst>
+            <pc:docMk/>
+            <pc:sldMk cId="2936744863" sldId="257"/>
+            <ac:picMk id="4" creationId="{2D4891EF-599B-827C-EE3D-5D2E2016B57C}"/>
+          </ac:picMkLst>
+        </pc:picChg>
+        <pc:picChg chg="del mod">
+          <ac:chgData name="Johnny Ryan" userId="874082db-ab86-4e97-8577-862339cb002f" providerId="ADAL" clId="{37B80A4B-6D53-54BE-A0B1-F9D0895B7056}" dt="2025-10-15T12:48:44.623" v="93" actId="478"/>
+          <ac:picMkLst>
+            <pc:docMk/>
+            <pc:sldMk cId="2936744863" sldId="257"/>
+            <ac:picMk id="5" creationId="{DC85BD91-C35D-41BE-25A3-E3BE8DDF0ABF}"/>
+          </ac:picMkLst>
+        </pc:picChg>
+        <pc:cxnChg chg="add mod">
+          <ac:chgData name="Johnny Ryan" userId="874082db-ab86-4e97-8577-862339cb002f" providerId="ADAL" clId="{37B80A4B-6D53-54BE-A0B1-F9D0895B7056}" dt="2025-10-15T12:49:33.573" v="107" actId="1076"/>
+          <ac:cxnSpMkLst>
+            <pc:docMk/>
+            <pc:sldMk cId="2936744863" sldId="257"/>
+            <ac:cxnSpMk id="7" creationId="{BB956F8A-15A7-73EA-3185-18AB62C1715E}"/>
+          </ac:cxnSpMkLst>
+        </pc:cxnChg>
+      </pc:sldChg>
+      <pc:sldChg chg="addSp delSp modSp mod">
+        <pc:chgData name="Johnny Ryan" userId="874082db-ab86-4e97-8577-862339cb002f" providerId="ADAL" clId="{37B80A4B-6D53-54BE-A0B1-F9D0895B7056}" dt="2025-10-15T12:37:27.042" v="38"/>
+        <pc:sldMkLst>
+          <pc:docMk/>
+          <pc:sldMk cId="0" sldId="258"/>
+        </pc:sldMkLst>
+        <pc:spChg chg="add mod">
+          <ac:chgData name="Johnny Ryan" userId="874082db-ab86-4e97-8577-862339cb002f" providerId="ADAL" clId="{37B80A4B-6D53-54BE-A0B1-F9D0895B7056}" dt="2025-10-15T12:37:16.998" v="34" actId="20577"/>
+          <ac:spMkLst>
+            <pc:docMk/>
+            <pc:sldMk cId="0" sldId="258"/>
+            <ac:spMk id="2" creationId="{26E55C62-A840-C3BE-AC41-2372F50EB8EA}"/>
+          </ac:spMkLst>
+        </pc:spChg>
+        <pc:spChg chg="del">
+          <ac:chgData name="Johnny Ryan" userId="874082db-ab86-4e97-8577-862339cb002f" providerId="ADAL" clId="{37B80A4B-6D53-54BE-A0B1-F9D0895B7056}" dt="2025-10-15T12:37:26.916" v="37" actId="478"/>
+          <ac:spMkLst>
+            <pc:docMk/>
+            <pc:sldMk cId="0" sldId="258"/>
+            <ac:spMk id="4" creationId="{1D093853-130D-610A-118C-9CD4A263465F}"/>
+          </ac:spMkLst>
+        </pc:spChg>
+        <pc:spChg chg="add mod">
+          <ac:chgData name="Johnny Ryan" userId="874082db-ab86-4e97-8577-862339cb002f" providerId="ADAL" clId="{37B80A4B-6D53-54BE-A0B1-F9D0895B7056}" dt="2025-10-15T12:37:27.042" v="38"/>
+          <ac:spMkLst>
+            <pc:docMk/>
+            <pc:sldMk cId="0" sldId="258"/>
+            <ac:spMk id="6" creationId="{0B1E610C-E517-3317-5666-D6F87822948E}"/>
+          </ac:spMkLst>
+        </pc:spChg>
+        <pc:spChg chg="del">
+          <ac:chgData name="Johnny Ryan" userId="874082db-ab86-4e97-8577-862339cb002f" providerId="ADAL" clId="{37B80A4B-6D53-54BE-A0B1-F9D0895B7056}" dt="2025-10-15T12:37:04.480" v="0" actId="478"/>
+          <ac:spMkLst>
+            <pc:docMk/>
+            <pc:sldMk cId="0" sldId="258"/>
+            <ac:spMk id="54" creationId="{00000000-0000-0000-0000-000000000000}"/>
+          </ac:spMkLst>
+        </pc:spChg>
+        <pc:picChg chg="del">
+          <ac:chgData name="Johnny Ryan" userId="874082db-ab86-4e97-8577-862339cb002f" providerId="ADAL" clId="{37B80A4B-6D53-54BE-A0B1-F9D0895B7056}" dt="2025-10-15T12:37:18.112" v="35" actId="478"/>
+          <ac:picMkLst>
+            <pc:docMk/>
+            <pc:sldMk cId="0" sldId="258"/>
+            <ac:picMk id="3" creationId="{EEABC8AB-4F32-CC41-D3EF-53C92501A883}"/>
+          </ac:picMkLst>
+        </pc:picChg>
+        <pc:picChg chg="add mod">
+          <ac:chgData name="Johnny Ryan" userId="874082db-ab86-4e97-8577-862339cb002f" providerId="ADAL" clId="{37B80A4B-6D53-54BE-A0B1-F9D0895B7056}" dt="2025-10-15T12:37:21.048" v="36"/>
+          <ac:picMkLst>
+            <pc:docMk/>
+            <pc:sldMk cId="0" sldId="258"/>
+            <ac:picMk id="5" creationId="{B443F475-D867-245D-1C2C-9EFA2BB427E3}"/>
+          </ac:picMkLst>
+        </pc:picChg>
+      </pc:sldChg>
+      <pc:sldChg chg="addSp delSp modSp mod">
+        <pc:chgData name="Johnny Ryan" userId="874082db-ab86-4e97-8577-862339cb002f" providerId="ADAL" clId="{37B80A4B-6D53-54BE-A0B1-F9D0895B7056}" dt="2025-10-15T13:18:34.898" v="600" actId="14100"/>
+        <pc:sldMkLst>
+          <pc:docMk/>
+          <pc:sldMk cId="936755185" sldId="266"/>
+        </pc:sldMkLst>
+        <pc:spChg chg="mod">
+          <ac:chgData name="Johnny Ryan" userId="874082db-ab86-4e97-8577-862339cb002f" providerId="ADAL" clId="{37B80A4B-6D53-54BE-A0B1-F9D0895B7056}" dt="2025-10-15T13:17:12.540" v="589" actId="14100"/>
+          <ac:spMkLst>
+            <pc:docMk/>
+            <pc:sldMk cId="936755185" sldId="266"/>
+            <ac:spMk id="2" creationId="{7BA22064-1651-98A0-9295-E49600C268E0}"/>
+          </ac:spMkLst>
+        </pc:spChg>
+        <pc:spChg chg="mod">
+          <ac:chgData name="Johnny Ryan" userId="874082db-ab86-4e97-8577-862339cb002f" providerId="ADAL" clId="{37B80A4B-6D53-54BE-A0B1-F9D0895B7056}" dt="2025-10-15T13:17:15.418" v="590" actId="1076"/>
+          <ac:spMkLst>
+            <pc:docMk/>
+            <pc:sldMk cId="936755185" sldId="266"/>
+            <ac:spMk id="6" creationId="{D1D05426-E986-BDC1-678F-7713DD00866F}"/>
+          </ac:spMkLst>
+        </pc:spChg>
+        <pc:picChg chg="del">
+          <ac:chgData name="Johnny Ryan" userId="874082db-ab86-4e97-8577-862339cb002f" providerId="ADAL" clId="{37B80A4B-6D53-54BE-A0B1-F9D0895B7056}" dt="2025-10-15T13:14:00.449" v="567" actId="478"/>
+          <ac:picMkLst>
+            <pc:docMk/>
+            <pc:sldMk cId="936755185" sldId="266"/>
+            <ac:picMk id="4" creationId="{C0A4A968-2C2B-833D-1AAE-F4F7D8A0DD94}"/>
+          </ac:picMkLst>
+        </pc:picChg>
+        <pc:picChg chg="add mod">
+          <ac:chgData name="Johnny Ryan" userId="874082db-ab86-4e97-8577-862339cb002f" providerId="ADAL" clId="{37B80A4B-6D53-54BE-A0B1-F9D0895B7056}" dt="2025-10-15T13:14:14.001" v="575" actId="1076"/>
+          <ac:picMkLst>
+            <pc:docMk/>
+            <pc:sldMk cId="936755185" sldId="266"/>
+            <ac:picMk id="5" creationId="{B482321B-A88B-F74F-A050-192FF4B95CDB}"/>
+          </ac:picMkLst>
+        </pc:picChg>
+        <pc:picChg chg="del">
+          <ac:chgData name="Johnny Ryan" userId="874082db-ab86-4e97-8577-862339cb002f" providerId="ADAL" clId="{37B80A4B-6D53-54BE-A0B1-F9D0895B7056}" dt="2025-10-15T13:14:01.602" v="568" actId="478"/>
+          <ac:picMkLst>
+            <pc:docMk/>
+            <pc:sldMk cId="936755185" sldId="266"/>
+            <ac:picMk id="8" creationId="{45BF2C36-AFE4-8788-1F59-69142BB09D7A}"/>
+          </ac:picMkLst>
+        </pc:picChg>
+        <pc:picChg chg="add mod">
+          <ac:chgData name="Johnny Ryan" userId="874082db-ab86-4e97-8577-862339cb002f" providerId="ADAL" clId="{37B80A4B-6D53-54BE-A0B1-F9D0895B7056}" dt="2025-10-15T13:15:47.700" v="581" actId="14100"/>
+          <ac:picMkLst>
+            <pc:docMk/>
+            <pc:sldMk cId="936755185" sldId="266"/>
+            <ac:picMk id="9" creationId="{18781A56-9912-60DC-E86D-6C4ADD6B610E}"/>
+          </ac:picMkLst>
+        </pc:picChg>
+        <pc:picChg chg="add del mod">
+          <ac:chgData name="Johnny Ryan" userId="874082db-ab86-4e97-8577-862339cb002f" providerId="ADAL" clId="{37B80A4B-6D53-54BE-A0B1-F9D0895B7056}" dt="2025-10-15T13:18:07.463" v="592" actId="478"/>
+          <ac:picMkLst>
+            <pc:docMk/>
+            <pc:sldMk cId="936755185" sldId="266"/>
+            <ac:picMk id="11" creationId="{342E0E54-D110-F9D1-B7D1-14853481032B}"/>
+          </ac:picMkLst>
+        </pc:picChg>
+        <pc:picChg chg="add mod">
+          <ac:chgData name="Johnny Ryan" userId="874082db-ab86-4e97-8577-862339cb002f" providerId="ADAL" clId="{37B80A4B-6D53-54BE-A0B1-F9D0895B7056}" dt="2025-10-15T13:18:34.898" v="600" actId="14100"/>
+          <ac:picMkLst>
+            <pc:docMk/>
+            <pc:sldMk cId="936755185" sldId="266"/>
+            <ac:picMk id="13" creationId="{653B077C-15A3-D3F8-A935-4DFFA3AC81C9}"/>
+          </ac:picMkLst>
+        </pc:picChg>
+      </pc:sldChg>
+      <pc:sldChg chg="del">
+        <pc:chgData name="Johnny Ryan" userId="874082db-ab86-4e97-8577-862339cb002f" providerId="ADAL" clId="{37B80A4B-6D53-54BE-A0B1-F9D0895B7056}" dt="2025-10-15T12:53:19.218" v="143" actId="2696"/>
+        <pc:sldMkLst>
+          <pc:docMk/>
+          <pc:sldMk cId="1132820971" sldId="267"/>
+        </pc:sldMkLst>
+      </pc:sldChg>
+      <pc:sldChg chg="modSp mod">
+        <pc:chgData name="Johnny Ryan" userId="874082db-ab86-4e97-8577-862339cb002f" providerId="ADAL" clId="{37B80A4B-6D53-54BE-A0B1-F9D0895B7056}" dt="2025-10-15T12:53:46.413" v="151" actId="732"/>
+        <pc:sldMkLst>
+          <pc:docMk/>
+          <pc:sldMk cId="2346324315" sldId="268"/>
+        </pc:sldMkLst>
+        <pc:spChg chg="mod">
+          <ac:chgData name="Johnny Ryan" userId="874082db-ab86-4e97-8577-862339cb002f" providerId="ADAL" clId="{37B80A4B-6D53-54BE-A0B1-F9D0895B7056}" dt="2025-10-15T12:53:27.312" v="146"/>
+          <ac:spMkLst>
+            <pc:docMk/>
+            <pc:sldMk cId="2346324315" sldId="268"/>
+            <ac:spMk id="2" creationId="{7BA22064-1651-98A0-9295-E49600C268E0}"/>
+          </ac:spMkLst>
+        </pc:spChg>
+        <pc:picChg chg="mod modCrop">
+          <ac:chgData name="Johnny Ryan" userId="874082db-ab86-4e97-8577-862339cb002f" providerId="ADAL" clId="{37B80A4B-6D53-54BE-A0B1-F9D0895B7056}" dt="2025-10-15T12:53:46.413" v="151" actId="732"/>
+          <ac:picMkLst>
+            <pc:docMk/>
+            <pc:sldMk cId="2346324315" sldId="268"/>
+            <ac:picMk id="5" creationId="{DC85BD91-C35D-41BE-25A3-E3BE8DDF0ABF}"/>
+          </ac:picMkLst>
+        </pc:picChg>
+      </pc:sldChg>
+      <pc:sldChg chg="addSp delSp modSp mod">
+        <pc:chgData name="Johnny Ryan" userId="874082db-ab86-4e97-8577-862339cb002f" providerId="ADAL" clId="{37B80A4B-6D53-54BE-A0B1-F9D0895B7056}" dt="2025-10-15T12:57:21.964" v="220" actId="732"/>
+        <pc:sldMkLst>
+          <pc:docMk/>
+          <pc:sldMk cId="1723039208" sldId="269"/>
+        </pc:sldMkLst>
+        <pc:spChg chg="del">
+          <ac:chgData name="Johnny Ryan" userId="874082db-ab86-4e97-8577-862339cb002f" providerId="ADAL" clId="{37B80A4B-6D53-54BE-A0B1-F9D0895B7056}" dt="2025-10-15T12:56:39.569" v="162" actId="478"/>
+          <ac:spMkLst>
+            <pc:docMk/>
+            <pc:sldMk cId="1723039208" sldId="269"/>
+            <ac:spMk id="2" creationId="{7BA22064-1651-98A0-9295-E49600C268E0}"/>
+          </ac:spMkLst>
+        </pc:spChg>
+        <pc:spChg chg="add mod">
+          <ac:chgData name="Johnny Ryan" userId="874082db-ab86-4e97-8577-862339cb002f" providerId="ADAL" clId="{37B80A4B-6D53-54BE-A0B1-F9D0895B7056}" dt="2025-10-15T12:56:56.339" v="211" actId="20577"/>
+          <ac:spMkLst>
+            <pc:docMk/>
+            <pc:sldMk cId="1723039208" sldId="269"/>
+            <ac:spMk id="3" creationId="{52B9A516-A613-8D7E-7D5D-8273C95DDD32}"/>
+          </ac:spMkLst>
+        </pc:spChg>
+        <pc:picChg chg="del mod">
+          <ac:chgData name="Johnny Ryan" userId="874082db-ab86-4e97-8577-862339cb002f" providerId="ADAL" clId="{37B80A4B-6D53-54BE-A0B1-F9D0895B7056}" dt="2025-10-15T12:56:39.962" v="164" actId="478"/>
+          <ac:picMkLst>
+            <pc:docMk/>
+            <pc:sldMk cId="1723039208" sldId="269"/>
+            <ac:picMk id="4" creationId="{FC6F9D57-4E47-243C-4D39-FF67724123F4}"/>
+          </ac:picMkLst>
+        </pc:picChg>
+        <pc:picChg chg="add mod modCrop">
+          <ac:chgData name="Johnny Ryan" userId="874082db-ab86-4e97-8577-862339cb002f" providerId="ADAL" clId="{37B80A4B-6D53-54BE-A0B1-F9D0895B7056}" dt="2025-10-15T12:57:21.964" v="220" actId="732"/>
+          <ac:picMkLst>
+            <pc:docMk/>
+            <pc:sldMk cId="1723039208" sldId="269"/>
+            <ac:picMk id="6" creationId="{4A5EADF5-D816-D637-62A0-020BDBBE87A1}"/>
+          </ac:picMkLst>
+        </pc:picChg>
+      </pc:sldChg>
+      <pc:sldChg chg="delSp modSp del mod">
+        <pc:chgData name="Johnny Ryan" userId="874082db-ab86-4e97-8577-862339cb002f" providerId="ADAL" clId="{37B80A4B-6D53-54BE-A0B1-F9D0895B7056}" dt="2025-10-15T12:57:15.406" v="219" actId="2696"/>
+        <pc:sldMkLst>
+          <pc:docMk/>
+          <pc:sldMk cId="2228034119" sldId="270"/>
+        </pc:sldMkLst>
+        <pc:spChg chg="del">
+          <ac:chgData name="Johnny Ryan" userId="874082db-ab86-4e97-8577-862339cb002f" providerId="ADAL" clId="{37B80A4B-6D53-54BE-A0B1-F9D0895B7056}" dt="2025-10-15T12:56:30.847" v="152" actId="478"/>
+          <ac:spMkLst>
+            <pc:docMk/>
+            <pc:sldMk cId="2228034119" sldId="270"/>
+            <ac:spMk id="2" creationId="{7BA22064-1651-98A0-9295-E49600C268E0}"/>
+          </ac:spMkLst>
+        </pc:spChg>
+        <pc:picChg chg="del mod">
+          <ac:chgData name="Johnny Ryan" userId="874082db-ab86-4e97-8577-862339cb002f" providerId="ADAL" clId="{37B80A4B-6D53-54BE-A0B1-F9D0895B7056}" dt="2025-10-15T12:56:31.324" v="154" actId="478"/>
+          <ac:picMkLst>
+            <pc:docMk/>
+            <pc:sldMk cId="2228034119" sldId="270"/>
+            <ac:picMk id="4" creationId="{FC6F9D57-4E47-243C-4D39-FF67724123F4}"/>
+          </ac:picMkLst>
+        </pc:picChg>
+      </pc:sldChg>
+      <pc:sldChg chg="addSp delSp modSp del mod">
+        <pc:chgData name="Johnny Ryan" userId="874082db-ab86-4e97-8577-862339cb002f" providerId="ADAL" clId="{37B80A4B-6D53-54BE-A0B1-F9D0895B7056}" dt="2025-10-15T12:57:39.769" v="223" actId="2696"/>
+        <pc:sldMkLst>
+          <pc:docMk/>
+          <pc:sldMk cId="759364567" sldId="271"/>
+        </pc:sldMkLst>
+        <pc:spChg chg="del">
+          <ac:chgData name="Johnny Ryan" userId="874082db-ab86-4e97-8577-862339cb002f" providerId="ADAL" clId="{37B80A4B-6D53-54BE-A0B1-F9D0895B7056}" dt="2025-10-15T12:56:33.892" v="155" actId="478"/>
+          <ac:spMkLst>
+            <pc:docMk/>
+            <pc:sldMk cId="759364567" sldId="271"/>
+            <ac:spMk id="2" creationId="{7BA22064-1651-98A0-9295-E49600C268E0}"/>
+          </ac:spMkLst>
+        </pc:spChg>
+        <pc:picChg chg="del mod">
+          <ac:chgData name="Johnny Ryan" userId="874082db-ab86-4e97-8577-862339cb002f" providerId="ADAL" clId="{37B80A4B-6D53-54BE-A0B1-F9D0895B7056}" dt="2025-10-15T12:56:34.308" v="157" actId="478"/>
+          <ac:picMkLst>
+            <pc:docMk/>
+            <pc:sldMk cId="759364567" sldId="271"/>
+            <ac:picMk id="4" creationId="{FC6F9D57-4E47-243C-4D39-FF67724123F4}"/>
+          </ac:picMkLst>
+        </pc:picChg>
+        <pc:picChg chg="add mod">
+          <ac:chgData name="Johnny Ryan" userId="874082db-ab86-4e97-8577-862339cb002f" providerId="ADAL" clId="{37B80A4B-6D53-54BE-A0B1-F9D0895B7056}" dt="2025-10-15T12:56:36.876" v="161" actId="962"/>
+          <ac:picMkLst>
+            <pc:docMk/>
+            <pc:sldMk cId="759364567" sldId="271"/>
+            <ac:picMk id="5" creationId="{0038D35D-2F53-298F-7646-974CFFE2CB83}"/>
+          </ac:picMkLst>
+        </pc:picChg>
+      </pc:sldChg>
+      <pc:sldChg chg="modSp add mod">
+        <pc:chgData name="Johnny Ryan" userId="874082db-ab86-4e97-8577-862339cb002f" providerId="ADAL" clId="{37B80A4B-6D53-54BE-A0B1-F9D0895B7056}" dt="2025-10-15T12:38:03.742" v="76" actId="20577"/>
+        <pc:sldMkLst>
+          <pc:docMk/>
+          <pc:sldMk cId="0" sldId="272"/>
+        </pc:sldMkLst>
+        <pc:spChg chg="mod">
+          <ac:chgData name="Johnny Ryan" userId="874082db-ab86-4e97-8577-862339cb002f" providerId="ADAL" clId="{37B80A4B-6D53-54BE-A0B1-F9D0895B7056}" dt="2025-10-15T12:38:03.742" v="76" actId="20577"/>
+          <ac:spMkLst>
+            <pc:docMk/>
+            <pc:sldMk cId="0" sldId="272"/>
+            <ac:spMk id="54" creationId="{00000000-0000-0000-0000-000000000000}"/>
+          </ac:spMkLst>
+        </pc:spChg>
+      </pc:sldChg>
+      <pc:sldChg chg="modSp add mod">
+        <pc:chgData name="Johnny Ryan" userId="874082db-ab86-4e97-8577-862339cb002f" providerId="ADAL" clId="{37B80A4B-6D53-54BE-A0B1-F9D0895B7056}" dt="2025-10-15T12:53:41.010" v="150" actId="732"/>
+        <pc:sldMkLst>
+          <pc:docMk/>
+          <pc:sldMk cId="249026388" sldId="273"/>
+        </pc:sldMkLst>
+        <pc:picChg chg="mod modCrop">
+          <ac:chgData name="Johnny Ryan" userId="874082db-ab86-4e97-8577-862339cb002f" providerId="ADAL" clId="{37B80A4B-6D53-54BE-A0B1-F9D0895B7056}" dt="2025-10-15T12:53:41.010" v="150" actId="732"/>
+          <ac:picMkLst>
+            <pc:docMk/>
+            <pc:sldMk cId="249026388" sldId="273"/>
+            <ac:picMk id="5" creationId="{7A7539B7-8678-A460-8B06-B0C5E460F054}"/>
+          </ac:picMkLst>
+        </pc:picChg>
+      </pc:sldChg>
+      <pc:sldChg chg="delSp modSp add del mod">
+        <pc:chgData name="Johnny Ryan" userId="874082db-ab86-4e97-8577-862339cb002f" providerId="ADAL" clId="{37B80A4B-6D53-54BE-A0B1-F9D0895B7056}" dt="2025-10-15T12:53:29.882" v="147" actId="2696"/>
+        <pc:sldMkLst>
+          <pc:docMk/>
+          <pc:sldMk cId="1211282646" sldId="273"/>
+        </pc:sldMkLst>
+        <pc:spChg chg="mod">
+          <ac:chgData name="Johnny Ryan" userId="874082db-ab86-4e97-8577-862339cb002f" providerId="ADAL" clId="{37B80A4B-6D53-54BE-A0B1-F9D0895B7056}" dt="2025-10-15T12:52:19.101" v="133" actId="20577"/>
+          <ac:spMkLst>
+            <pc:docMk/>
+            <pc:sldMk cId="1211282646" sldId="273"/>
+            <ac:spMk id="2" creationId="{60453B65-3921-D178-CC79-927C1A402D2C}"/>
+          </ac:spMkLst>
+        </pc:spChg>
+        <pc:picChg chg="del mod">
+          <ac:chgData name="Johnny Ryan" userId="874082db-ab86-4e97-8577-862339cb002f" providerId="ADAL" clId="{37B80A4B-6D53-54BE-A0B1-F9D0895B7056}" dt="2025-10-15T12:53:22.345" v="145" actId="478"/>
+          <ac:picMkLst>
+            <pc:docMk/>
+            <pc:sldMk cId="1211282646" sldId="273"/>
+            <ac:picMk id="5" creationId="{56E7F81F-D16F-E28D-D440-393B7743E49C}"/>
+          </ac:picMkLst>
+        </pc:picChg>
+      </pc:sldChg>
+      <pc:sldChg chg="add">
+        <pc:chgData name="Johnny Ryan" userId="874082db-ab86-4e97-8577-862339cb002f" providerId="ADAL" clId="{37B80A4B-6D53-54BE-A0B1-F9D0895B7056}" dt="2025-10-15T12:53:33.355" v="149"/>
+        <pc:sldMkLst>
+          <pc:docMk/>
+          <pc:sldMk cId="2570069993" sldId="274"/>
+        </pc:sldMkLst>
+      </pc:sldChg>
+      <pc:sldChg chg="add del">
+        <pc:chgData name="Johnny Ryan" userId="874082db-ab86-4e97-8577-862339cb002f" providerId="ADAL" clId="{37B80A4B-6D53-54BE-A0B1-F9D0895B7056}" dt="2025-10-15T12:53:19.859" v="144" actId="2696"/>
+        <pc:sldMkLst>
+          <pc:docMk/>
+          <pc:sldMk cId="3946486877" sldId="274"/>
+        </pc:sldMkLst>
+      </pc:sldChg>
+      <pc:sldChg chg="modSp add mod">
+        <pc:chgData name="Johnny Ryan" userId="874082db-ab86-4e97-8577-862339cb002f" providerId="ADAL" clId="{37B80A4B-6D53-54BE-A0B1-F9D0895B7056}" dt="2025-10-15T12:57:31.134" v="222" actId="732"/>
+        <pc:sldMkLst>
+          <pc:docMk/>
+          <pc:sldMk cId="2770722445" sldId="275"/>
+        </pc:sldMkLst>
+        <pc:picChg chg="mod modCrop">
+          <ac:chgData name="Johnny Ryan" userId="874082db-ab86-4e97-8577-862339cb002f" providerId="ADAL" clId="{37B80A4B-6D53-54BE-A0B1-F9D0895B7056}" dt="2025-10-15T12:57:31.134" v="222" actId="732"/>
+          <ac:picMkLst>
+            <pc:docMk/>
+            <pc:sldMk cId="2770722445" sldId="275"/>
+            <ac:picMk id="6" creationId="{2D99B7A4-1B66-557C-11E0-C3B7E4F2CE72}"/>
+          </ac:picMkLst>
+        </pc:picChg>
+      </pc:sldChg>
+      <pc:sldChg chg="add">
+        <pc:chgData name="Johnny Ryan" userId="874082db-ab86-4e97-8577-862339cb002f" providerId="ADAL" clId="{37B80A4B-6D53-54BE-A0B1-F9D0895B7056}" dt="2025-10-15T12:57:25.166" v="221"/>
+        <pc:sldMkLst>
+          <pc:docMk/>
+          <pc:sldMk cId="4132733504" sldId="276"/>
+        </pc:sldMkLst>
+      </pc:sldChg>
+      <pc:sldChg chg="addSp delSp modSp add mod">
+        <pc:chgData name="Johnny Ryan" userId="874082db-ab86-4e97-8577-862339cb002f" providerId="ADAL" clId="{37B80A4B-6D53-54BE-A0B1-F9D0895B7056}" dt="2025-10-15T13:07:01.720" v="566" actId="6549"/>
+        <pc:sldMkLst>
+          <pc:docMk/>
+          <pc:sldMk cId="4087066205" sldId="277"/>
+        </pc:sldMkLst>
+        <pc:spChg chg="add mod">
+          <ac:chgData name="Johnny Ryan" userId="874082db-ab86-4e97-8577-862339cb002f" providerId="ADAL" clId="{37B80A4B-6D53-54BE-A0B1-F9D0895B7056}" dt="2025-10-15T13:07:01.720" v="566" actId="6549"/>
+          <ac:spMkLst>
+            <pc:docMk/>
+            <pc:sldMk cId="4087066205" sldId="277"/>
+            <ac:spMk id="2" creationId="{11B5843B-7EC5-AACE-EBDF-51AE5BD1D049}"/>
+          </ac:spMkLst>
+        </pc:spChg>
+        <pc:spChg chg="mod">
+          <ac:chgData name="Johnny Ryan" userId="874082db-ab86-4e97-8577-862339cb002f" providerId="ADAL" clId="{37B80A4B-6D53-54BE-A0B1-F9D0895B7056}" dt="2025-10-15T12:58:47.349" v="261" actId="20577"/>
+          <ac:spMkLst>
+            <pc:docMk/>
+            <pc:sldMk cId="4087066205" sldId="277"/>
+            <ac:spMk id="3" creationId="{3FA5AAC5-6748-9A41-ABC5-F971ED903DB4}"/>
+          </ac:spMkLst>
+        </pc:spChg>
+        <pc:picChg chg="del">
+          <ac:chgData name="Johnny Ryan" userId="874082db-ab86-4e97-8577-862339cb002f" providerId="ADAL" clId="{37B80A4B-6D53-54BE-A0B1-F9D0895B7056}" dt="2025-10-15T12:58:49.531" v="262" actId="478"/>
+          <ac:picMkLst>
+            <pc:docMk/>
+            <pc:sldMk cId="4087066205" sldId="277"/>
+            <ac:picMk id="6" creationId="{460A1581-7537-5236-B2A0-A903B4B657B7}"/>
+          </ac:picMkLst>
+        </pc:picChg>
+      </pc:sldChg>
+    </pc:docChg>
+  </pc:docChgLst>
+</pc:chgInfo>
+</file>
+
 <file path=ppt/notesMasters/notesMaster1.xml><?xml version="1.0" encoding="utf-8"?>
 <p:notesMaster xmlns:a="http://schemas.openxmlformats.org/drawingml/2006/main" xmlns:r="http://schemas.openxmlformats.org/officeDocument/2006/relationships" xmlns:p="http://schemas.openxmlformats.org/presentationml/2006/main">
   <p:cSld>
@@ -212,7 +651,7 @@
           <a:p>
             <a:fld id="{B0BE15B8-B44D-EE48-B562-5D732CA3A0EC}" type="datetimeFigureOut">
               <a:rPr lang="en-US" smtClean="0"/>
-              <a:t>4/22/24</a:t>
+              <a:t>10/15/25</a:t>
             </a:fld>
             <a:endParaRPr lang="en-US"/>
           </a:p>
@@ -651,7 +1090,7 @@
           <a:p>
             <a:fld id="{09130D2F-F742-BB44-970E-BB6231828833}" type="slidenum">
               <a:rPr lang="en-US" smtClean="0"/>
-              <a:t>9</a:t>
+              <a:t>11</a:t>
             </a:fld>
             <a:endParaRPr lang="en-US"/>
           </a:p>
@@ -743,7 +1182,7 @@
           <a:p>
             <a:fld id="{09130D2F-F742-BB44-970E-BB6231828833}" type="slidenum">
               <a:rPr lang="en-US" smtClean="0"/>
-              <a:t>10</a:t>
+              <a:t>12</a:t>
             </a:fld>
             <a:endParaRPr lang="en-US"/>
           </a:p>
@@ -827,7 +1266,7 @@
           <a:p>
             <a:fld id="{09130D2F-F742-BB44-970E-BB6231828833}" type="slidenum">
               <a:rPr lang="en-US" smtClean="0"/>
-              <a:t>11</a:t>
+              <a:t>13</a:t>
             </a:fld>
             <a:endParaRPr lang="en-US"/>
           </a:p>
@@ -914,7 +1353,7 @@
           <a:p>
             <a:fld id="{09130D2F-F742-BB44-970E-BB6231828833}" type="slidenum">
               <a:rPr lang="en-US" smtClean="0"/>
-              <a:t>12</a:t>
+              <a:t>14</a:t>
             </a:fld>
             <a:endParaRPr lang="en-US"/>
           </a:p>
@@ -1001,7 +1440,7 @@
           <a:p>
             <a:fld id="{09130D2F-F742-BB44-970E-BB6231828833}" type="slidenum">
               <a:rPr lang="en-US" smtClean="0"/>
-              <a:t>13</a:t>
+              <a:t>15</a:t>
             </a:fld>
             <a:endParaRPr lang="en-US"/>
           </a:p>
@@ -1088,7 +1527,7 @@
           <a:p>
             <a:fld id="{09130D2F-F742-BB44-970E-BB6231828833}" type="slidenum">
               <a:rPr lang="en-US" smtClean="0"/>
-              <a:t>14</a:t>
+              <a:t>16</a:t>
             </a:fld>
             <a:endParaRPr lang="en-US"/>
           </a:p>
@@ -1175,7 +1614,7 @@
           <a:p>
             <a:fld id="{09130D2F-F742-BB44-970E-BB6231828833}" type="slidenum">
               <a:rPr lang="en-US" smtClean="0"/>
-              <a:t>15</a:t>
+              <a:t>17</a:t>
             </a:fld>
             <a:endParaRPr lang="en-US"/>
           </a:p>
@@ -1187,6 +1626,110 @@
         <p14:creationId xmlns:p14="http://schemas.microsoft.com/office/powerpoint/2010/main" val="3615712496"/>
       </p:ext>
     </p:extLst>
+  </p:cSld>
+  <p:clrMapOvr>
+    <a:masterClrMapping/>
+  </p:clrMapOvr>
+</p:notes>
+</file>
+
+<file path=ppt/notesSlides/notesSlide9.xml><?xml version="1.0" encoding="utf-8"?>
+<p:notes xmlns:a="http://schemas.openxmlformats.org/drawingml/2006/main" xmlns:r="http://schemas.openxmlformats.org/officeDocument/2006/relationships" xmlns:p="http://schemas.openxmlformats.org/presentationml/2006/main" showMasterSp="0" showMasterPhAnim="0">
+  <p:cSld>
+    <p:spTree>
+      <p:nvGrpSpPr>
+        <p:cNvPr id="1" name="Shape 50"/>
+        <p:cNvGrpSpPr/>
+        <p:nvPr/>
+      </p:nvGrpSpPr>
+      <p:grpSpPr>
+        <a:xfrm>
+          <a:off x="0" y="0"/>
+          <a:ext cx="0" cy="0"/>
+          <a:chOff x="0" y="0"/>
+          <a:chExt cx="0" cy="0"/>
+        </a:xfrm>
+      </p:grpSpPr>
+      <p:sp>
+        <p:nvSpPr>
+          <p:cNvPr id="51" name="Google Shape;51;g10a53604613_0_0:notes"/>
+          <p:cNvSpPr>
+            <a:spLocks noGrp="1" noRot="1" noChangeAspect="1"/>
+          </p:cNvSpPr>
+          <p:nvPr>
+            <p:ph type="sldImg" idx="2"/>
+          </p:nvPr>
+        </p:nvSpPr>
+        <p:spPr>
+          <a:xfrm>
+            <a:off x="381000" y="685800"/>
+            <a:ext cx="6096000" cy="3429000"/>
+          </a:xfrm>
+          <a:custGeom>
+            <a:avLst/>
+            <a:gdLst/>
+            <a:ahLst/>
+            <a:cxnLst/>
+            <a:rect l="l" t="t" r="r" b="b"/>
+            <a:pathLst>
+              <a:path w="120000" h="120000" extrusionOk="0">
+                <a:moveTo>
+                  <a:pt x="0" y="0"/>
+                </a:moveTo>
+                <a:lnTo>
+                  <a:pt x="120000" y="0"/>
+                </a:lnTo>
+                <a:lnTo>
+                  <a:pt x="120000" y="120000"/>
+                </a:lnTo>
+                <a:lnTo>
+                  <a:pt x="0" y="120000"/>
+                </a:lnTo>
+                <a:close/>
+              </a:path>
+            </a:pathLst>
+          </a:custGeom>
+        </p:spPr>
+      </p:sp>
+      <p:sp>
+        <p:nvSpPr>
+          <p:cNvPr id="52" name="Google Shape;52;g10a53604613_0_0:notes"/>
+          <p:cNvSpPr txBox="1">
+            <a:spLocks noGrp="1"/>
+          </p:cNvSpPr>
+          <p:nvPr>
+            <p:ph type="body" idx="1"/>
+          </p:nvPr>
+        </p:nvSpPr>
+        <p:spPr>
+          <a:xfrm>
+            <a:off x="685800" y="4343400"/>
+            <a:ext cx="5486400" cy="4114800"/>
+          </a:xfrm>
+          <a:prstGeom prst="rect">
+            <a:avLst/>
+          </a:prstGeom>
+        </p:spPr>
+        <p:txBody>
+          <a:bodyPr spcFirstLastPara="1" wrap="square" lIns="91425" tIns="91425" rIns="91425" bIns="91425" anchor="t" anchorCtr="0">
+            <a:noAutofit/>
+          </a:bodyPr>
+          <a:lstStyle/>
+          <a:p>
+            <a:pPr marL="0" lvl="0" indent="0" algn="l" rtl="0">
+              <a:spcBef>
+                <a:spcPts val="0"/>
+              </a:spcBef>
+              <a:spcAft>
+                <a:spcPts val="0"/>
+              </a:spcAft>
+              <a:buNone/>
+            </a:pPr>
+            <a:endParaRPr dirty="0"/>
+          </a:p>
+        </p:txBody>
+      </p:sp>
+    </p:spTree>
   </p:cSld>
   <p:clrMapOvr>
     <a:masterClrMapping/>
@@ -1341,7 +1884,7 @@
           <a:p>
             <a:fld id="{C2C46B7F-4B8A-EA41-B6F2-9932ED79004B}" type="datetimeFigureOut">
               <a:rPr lang="en-US" smtClean="0"/>
-              <a:t>4/22/24</a:t>
+              <a:t>10/15/25</a:t>
             </a:fld>
             <a:endParaRPr lang="en-US"/>
           </a:p>
@@ -1539,7 +2082,7 @@
           <a:p>
             <a:fld id="{C2C46B7F-4B8A-EA41-B6F2-9932ED79004B}" type="datetimeFigureOut">
               <a:rPr lang="en-US" smtClean="0"/>
-              <a:t>4/22/24</a:t>
+              <a:t>10/15/25</a:t>
             </a:fld>
             <a:endParaRPr lang="en-US"/>
           </a:p>
@@ -1747,7 +2290,7 @@
           <a:p>
             <a:fld id="{C2C46B7F-4B8A-EA41-B6F2-9932ED79004B}" type="datetimeFigureOut">
               <a:rPr lang="en-US" smtClean="0"/>
-              <a:t>4/22/24</a:t>
+              <a:t>10/15/25</a:t>
             </a:fld>
             <a:endParaRPr lang="en-US"/>
           </a:p>
@@ -1945,7 +2488,7 @@
           <a:p>
             <a:fld id="{C2C46B7F-4B8A-EA41-B6F2-9932ED79004B}" type="datetimeFigureOut">
               <a:rPr lang="en-US" smtClean="0"/>
-              <a:t>4/22/24</a:t>
+              <a:t>10/15/25</a:t>
             </a:fld>
             <a:endParaRPr lang="en-US"/>
           </a:p>
@@ -2220,7 +2763,7 @@
           <a:p>
             <a:fld id="{C2C46B7F-4B8A-EA41-B6F2-9932ED79004B}" type="datetimeFigureOut">
               <a:rPr lang="en-US" smtClean="0"/>
-              <a:t>4/22/24</a:t>
+              <a:t>10/15/25</a:t>
             </a:fld>
             <a:endParaRPr lang="en-US"/>
           </a:p>
@@ -2485,7 +3028,7 @@
           <a:p>
             <a:fld id="{C2C46B7F-4B8A-EA41-B6F2-9932ED79004B}" type="datetimeFigureOut">
               <a:rPr lang="en-US" smtClean="0"/>
-              <a:t>4/22/24</a:t>
+              <a:t>10/15/25</a:t>
             </a:fld>
             <a:endParaRPr lang="en-US"/>
           </a:p>
@@ -2897,7 +3440,7 @@
           <a:p>
             <a:fld id="{C2C46B7F-4B8A-EA41-B6F2-9932ED79004B}" type="datetimeFigureOut">
               <a:rPr lang="en-US" smtClean="0"/>
-              <a:t>4/22/24</a:t>
+              <a:t>10/15/25</a:t>
             </a:fld>
             <a:endParaRPr lang="en-US"/>
           </a:p>
@@ -3038,7 +3581,7 @@
           <a:p>
             <a:fld id="{C2C46B7F-4B8A-EA41-B6F2-9932ED79004B}" type="datetimeFigureOut">
               <a:rPr lang="en-US" smtClean="0"/>
-              <a:t>4/22/24</a:t>
+              <a:t>10/15/25</a:t>
             </a:fld>
             <a:endParaRPr lang="en-US"/>
           </a:p>
@@ -3151,7 +3694,7 @@
           <a:p>
             <a:fld id="{C2C46B7F-4B8A-EA41-B6F2-9932ED79004B}" type="datetimeFigureOut">
               <a:rPr lang="en-US" smtClean="0"/>
-              <a:t>4/22/24</a:t>
+              <a:t>10/15/25</a:t>
             </a:fld>
             <a:endParaRPr lang="en-US"/>
           </a:p>
@@ -3462,7 +4005,7 @@
           <a:p>
             <a:fld id="{C2C46B7F-4B8A-EA41-B6F2-9932ED79004B}" type="datetimeFigureOut">
               <a:rPr lang="en-US" smtClean="0"/>
-              <a:t>4/22/24</a:t>
+              <a:t>10/15/25</a:t>
             </a:fld>
             <a:endParaRPr lang="en-US"/>
           </a:p>
@@ -3750,7 +4293,7 @@
           <a:p>
             <a:fld id="{C2C46B7F-4B8A-EA41-B6F2-9932ED79004B}" type="datetimeFigureOut">
               <a:rPr lang="en-US" smtClean="0"/>
-              <a:t>4/22/24</a:t>
+              <a:t>10/15/25</a:t>
             </a:fld>
             <a:endParaRPr lang="en-US"/>
           </a:p>
@@ -3991,7 +4534,7 @@
           <a:p>
             <a:fld id="{C2C46B7F-4B8A-EA41-B6F2-9932ED79004B}" type="datetimeFigureOut">
               <a:rPr lang="en-US" smtClean="0"/>
-              <a:t>4/22/24</a:t>
+              <a:t>10/15/25</a:t>
             </a:fld>
             <a:endParaRPr lang="en-US"/>
           </a:p>
@@ -4410,7 +4953,13 @@
       </p:grpSpPr>
       <p:sp>
         <p:nvSpPr>
-          <p:cNvPr id="54" name="Google Shape;54;p13"/>
+          <p:cNvPr id="2" name="Google Shape;54;p13">
+            <a:extLst>
+              <a:ext uri="{FF2B5EF4-FFF2-40B4-BE49-F238E27FC236}">
+                <a16:creationId xmlns:a16="http://schemas.microsoft.com/office/drawing/2014/main" id="{26E55C62-A840-C3BE-AC41-2372F50EB8EA}"/>
+              </a:ext>
+            </a:extLst>
+          </p:cNvPr>
           <p:cNvSpPr txBox="1"/>
           <p:nvPr/>
         </p:nvSpPr>
@@ -4445,7 +4994,7 @@
                 <a:cs typeface="Avenir"/>
                 <a:sym typeface="Avenir"/>
               </a:rPr>
-              <a:t>GEOG 4/590: Geospatial Data Science</a:t>
+              <a:t>ECS 351L and 851L : Geospatial Data Science</a:t>
             </a:r>
             <a:endParaRPr sz="3200" dirty="0">
               <a:latin typeface="Avenir"/>
@@ -4467,7 +5016,7 @@
                 <a:cs typeface="Avenir"/>
                 <a:sym typeface="Avenir"/>
               </a:rPr>
-              <a:t>Lecture 4.5: Previous class projects</a:t>
+              <a:t>Bonus lecture: Previous class projects</a:t>
             </a:r>
             <a:endParaRPr sz="3200" dirty="0">
               <a:latin typeface="Avenir"/>
@@ -4480,10 +5029,10 @@
       </p:sp>
       <p:pic>
         <p:nvPicPr>
-          <p:cNvPr id="3" name="Picture 2" descr="A picture containing text, writing implement, stationary, pencil&#10;&#10;Description automatically generated">
-            <a:extLst>
-              <a:ext uri="{FF2B5EF4-FFF2-40B4-BE49-F238E27FC236}">
-                <a16:creationId xmlns:a16="http://schemas.microsoft.com/office/drawing/2014/main" id="{EEABC8AB-4F32-CC41-D3EF-53C92501A883}"/>
+          <p:cNvPr id="5" name="Picture 4" descr="A picture containing text, writing implement, stationary, pencil&#10;&#10;Description automatically generated">
+            <a:extLst>
+              <a:ext uri="{FF2B5EF4-FFF2-40B4-BE49-F238E27FC236}">
+                <a16:creationId xmlns:a16="http://schemas.microsoft.com/office/drawing/2014/main" id="{B443F475-D867-245D-1C2C-9EFA2BB427E3}"/>
               </a:ext>
             </a:extLst>
           </p:cNvPr>
@@ -4493,7 +5042,7 @@
           <p:nvPr/>
         </p:nvPicPr>
         <p:blipFill>
-          <a:blip/>
+          <a:blip r:embed="rId3"/>
           <a:stretch>
             <a:fillRect/>
           </a:stretch>
@@ -4510,10 +5059,10 @@
       </p:pic>
       <p:sp>
         <p:nvSpPr>
-          <p:cNvPr id="4" name="TextBox 3">
-            <a:extLst>
-              <a:ext uri="{FF2B5EF4-FFF2-40B4-BE49-F238E27FC236}">
-                <a16:creationId xmlns:a16="http://schemas.microsoft.com/office/drawing/2014/main" id="{1D093853-130D-610A-118C-9CD4A263465F}"/>
+          <p:cNvPr id="6" name="TextBox 5">
+            <a:extLst>
+              <a:ext uri="{FF2B5EF4-FFF2-40B4-BE49-F238E27FC236}">
+                <a16:creationId xmlns:a16="http://schemas.microsoft.com/office/drawing/2014/main" id="{0B1E610C-E517-3317-5666-D6F87822948E}"/>
               </a:ext>
             </a:extLst>
           </p:cNvPr>
@@ -4570,7 +5119,7 @@
               <a:t> </a:t>
             </a:r>
             <a:r>
-              <a:rPr lang="en-GB" sz="1800" u="sng" dirty="0">
+              <a:rPr lang="en-GB" u="sng" dirty="0" err="1">
                 <a:solidFill>
                   <a:srgbClr val="0097A7"/>
                 </a:solidFill>
@@ -4578,28 +5127,30 @@
                 <a:ea typeface="Avenir"/>
                 <a:cs typeface="Avenir"/>
                 <a:sym typeface="Avenir"/>
-                <a:hlinkClick r:id="rId3">
-                  <a:extLst>
-                    <a:ext uri="{A12FA001-AC4F-418D-AE19-62706E023703}">
-                      <ahyp:hlinkClr xmlns:ahyp="http://schemas.microsoft.com/office/drawing/2018/hyperlinkcolor" val="tx"/>
-                    </a:ext>
-                  </a:extLst>
-                </a:hlinkClick>
               </a:rPr>
-              <a:t>jryan4@uoregon.edu</a:t>
-            </a:r>
-            <a:r>
-              <a:rPr lang="en-GB" sz="1800" dirty="0">
+              <a:t>j</a:t>
+            </a:r>
+            <a:r>
+              <a:rPr lang="en-GB" sz="1800" u="sng" dirty="0" err="1">
                 <a:solidFill>
-                  <a:srgbClr val="000000"/>
+                  <a:srgbClr val="0097A7"/>
                 </a:solidFill>
                 <a:latin typeface="Avenir"/>
                 <a:ea typeface="Avenir"/>
                 <a:cs typeface="Avenir"/>
                 <a:sym typeface="Avenir"/>
               </a:rPr>
-              <a:t> </a:t>
-            </a:r>
+              <a:t>onathan.ryan@duke.edu</a:t>
+            </a:r>
+            <a:endParaRPr lang="en-GB" sz="1800" dirty="0">
+              <a:solidFill>
+                <a:srgbClr val="000000"/>
+              </a:solidFill>
+              <a:latin typeface="Avenir"/>
+              <a:ea typeface="Avenir"/>
+              <a:cs typeface="Avenir"/>
+              <a:sym typeface="Avenir"/>
+            </a:endParaRPr>
           </a:p>
           <a:p>
             <a:pPr marL="0" lvl="0" indent="0" rtl="0">
@@ -4627,7 +5178,7 @@
                 <a:cs typeface="Avenir"/>
                 <a:sym typeface="Avenir"/>
               </a:rPr>
-              <a:t>163A Condon Hall</a:t>
+              <a:t>3101 Grainger Hall</a:t>
             </a:r>
             <a:endParaRPr lang="en-GB" sz="1800" dirty="0">
               <a:solidFill>
@@ -4671,7 +5222,7 @@
                 <a:cs typeface="Avenir"/>
                 <a:sym typeface="Avenir"/>
               </a:rPr>
-              <a:t>Monday 14:00-16:00</a:t>
+              <a:t>Mondays and Wednesdays 15:00-16:00</a:t>
             </a:r>
           </a:p>
         </p:txBody>
@@ -4685,6 +5236,383 @@
 </file>
 
 <file path=ppt/slides/slide10.xml><?xml version="1.0" encoding="utf-8"?>
+<p:sld xmlns:a="http://schemas.openxmlformats.org/drawingml/2006/main" xmlns:r="http://schemas.openxmlformats.org/officeDocument/2006/relationships" xmlns:p="http://schemas.openxmlformats.org/presentationml/2006/main">
+  <p:cSld>
+    <p:spTree>
+      <p:nvGrpSpPr>
+        <p:cNvPr id="1" name=""/>
+        <p:cNvGrpSpPr/>
+        <p:nvPr/>
+      </p:nvGrpSpPr>
+      <p:grpSpPr>
+        <a:xfrm>
+          <a:off x="0" y="0"/>
+          <a:ext cx="0" cy="0"/>
+          <a:chOff x="0" y="0"/>
+          <a:chExt cx="0" cy="0"/>
+        </a:xfrm>
+      </p:grpSpPr>
+      <p:sp>
+        <p:nvSpPr>
+          <p:cNvPr id="2" name="Google Shape;54;p13">
+            <a:extLst>
+              <a:ext uri="{FF2B5EF4-FFF2-40B4-BE49-F238E27FC236}">
+                <a16:creationId xmlns:a16="http://schemas.microsoft.com/office/drawing/2014/main" id="{7BA22064-1651-98A0-9295-E49600C268E0}"/>
+              </a:ext>
+            </a:extLst>
+          </p:cNvPr>
+          <p:cNvSpPr txBox="1"/>
+          <p:nvPr/>
+        </p:nvSpPr>
+        <p:spPr>
+          <a:xfrm>
+            <a:off x="-1" y="0"/>
+            <a:ext cx="7723391" cy="784790"/>
+          </a:xfrm>
+          <a:prstGeom prst="rect">
+            <a:avLst/>
+          </a:prstGeom>
+          <a:noFill/>
+          <a:ln>
+            <a:noFill/>
+          </a:ln>
+        </p:spPr>
+        <p:txBody>
+          <a:bodyPr spcFirstLastPara="1" wrap="square" lIns="121900" tIns="121900" rIns="121900" bIns="121900" anchor="t" anchorCtr="0">
+            <a:spAutoFit/>
+          </a:bodyPr>
+          <a:lstStyle/>
+          <a:p>
+            <a:pPr algn="ctr">
+              <a:lnSpc>
+                <a:spcPct val="125454"/>
+              </a:lnSpc>
+            </a:pPr>
+            <a:r>
+              <a:rPr lang="en-US" sz="2800" dirty="0">
+                <a:latin typeface="Avenir"/>
+                <a:ea typeface="Avenir"/>
+                <a:cs typeface="Avenir"/>
+                <a:sym typeface="Avenir"/>
+              </a:rPr>
+              <a:t>Machine learning </a:t>
+            </a:r>
+            <a:r>
+              <a:rPr lang="en-US" sz="2800" dirty="0" err="1">
+                <a:latin typeface="Avenir"/>
+                <a:ea typeface="Avenir"/>
+                <a:cs typeface="Avenir"/>
+                <a:sym typeface="Avenir"/>
+              </a:rPr>
+              <a:t>AirBnB</a:t>
+            </a:r>
+            <a:r>
+              <a:rPr lang="en-US" sz="2800" dirty="0">
+                <a:latin typeface="Avenir"/>
+                <a:ea typeface="Avenir"/>
+                <a:cs typeface="Avenir"/>
+                <a:sym typeface="Avenir"/>
+              </a:rPr>
+              <a:t> rates in Portland</a:t>
+            </a:r>
+            <a:endParaRPr sz="2800" dirty="0">
+              <a:latin typeface="Avenir"/>
+              <a:ea typeface="Avenir"/>
+              <a:cs typeface="Avenir"/>
+              <a:sym typeface="Avenir"/>
+            </a:endParaRPr>
+          </a:p>
+        </p:txBody>
+      </p:sp>
+      <p:sp>
+        <p:nvSpPr>
+          <p:cNvPr id="6" name="TextBox 5">
+            <a:extLst>
+              <a:ext uri="{FF2B5EF4-FFF2-40B4-BE49-F238E27FC236}">
+                <a16:creationId xmlns:a16="http://schemas.microsoft.com/office/drawing/2014/main" id="{D1D05426-E986-BDC1-678F-7713DD00866F}"/>
+              </a:ext>
+            </a:extLst>
+          </p:cNvPr>
+          <p:cNvSpPr txBox="1"/>
+          <p:nvPr/>
+        </p:nvSpPr>
+        <p:spPr>
+          <a:xfrm>
+            <a:off x="7829716" y="809728"/>
+            <a:ext cx="3278132" cy="369332"/>
+          </a:xfrm>
+          <a:prstGeom prst="rect">
+            <a:avLst/>
+          </a:prstGeom>
+          <a:noFill/>
+        </p:spPr>
+        <p:txBody>
+          <a:bodyPr wrap="square">
+            <a:spAutoFit/>
+          </a:bodyPr>
+          <a:lstStyle/>
+          <a:p>
+            <a:r>
+              <a:rPr lang="en-US" dirty="0">
+                <a:latin typeface="Avenir Book" panose="02000503020000020003" pitchFamily="2" charset="0"/>
+              </a:rPr>
+              <a:t>https://</a:t>
+            </a:r>
+            <a:r>
+              <a:rPr lang="en-US" dirty="0" err="1">
+                <a:latin typeface="Avenir Book" panose="02000503020000020003" pitchFamily="2" charset="0"/>
+              </a:rPr>
+              <a:t>insideairbnb.com</a:t>
+            </a:r>
+            <a:r>
+              <a:rPr lang="en-US" dirty="0">
+                <a:latin typeface="Avenir Book" panose="02000503020000020003" pitchFamily="2" charset="0"/>
+              </a:rPr>
+              <a:t>/</a:t>
+            </a:r>
+          </a:p>
+        </p:txBody>
+      </p:sp>
+      <p:pic>
+        <p:nvPicPr>
+          <p:cNvPr id="5" name="Picture 4" descr="A graph with a line and dots&#10;&#10;AI-generated content may be incorrect.">
+            <a:extLst>
+              <a:ext uri="{FF2B5EF4-FFF2-40B4-BE49-F238E27FC236}">
+                <a16:creationId xmlns:a16="http://schemas.microsoft.com/office/drawing/2014/main" id="{B482321B-A88B-F74F-A050-192FF4B95CDB}"/>
+              </a:ext>
+            </a:extLst>
+          </p:cNvPr>
+          <p:cNvPicPr>
+            <a:picLocks noChangeAspect="1"/>
+          </p:cNvPicPr>
+          <p:nvPr/>
+        </p:nvPicPr>
+        <p:blipFill>
+          <a:blip r:embed="rId2"/>
+          <a:stretch>
+            <a:fillRect/>
+          </a:stretch>
+        </p:blipFill>
+        <p:spPr>
+          <a:xfrm>
+            <a:off x="298893" y="1444699"/>
+            <a:ext cx="5655340" cy="4278070"/>
+          </a:xfrm>
+          <a:prstGeom prst="rect">
+            <a:avLst/>
+          </a:prstGeom>
+        </p:spPr>
+      </p:pic>
+      <p:pic>
+        <p:nvPicPr>
+          <p:cNvPr id="9" name="Picture 8">
+            <a:extLst>
+              <a:ext uri="{FF2B5EF4-FFF2-40B4-BE49-F238E27FC236}">
+                <a16:creationId xmlns:a16="http://schemas.microsoft.com/office/drawing/2014/main" id="{18781A56-9912-60DC-E86D-6C4ADD6B610E}"/>
+              </a:ext>
+            </a:extLst>
+          </p:cNvPr>
+          <p:cNvPicPr>
+            <a:picLocks noChangeAspect="1"/>
+          </p:cNvPicPr>
+          <p:nvPr/>
+        </p:nvPicPr>
+        <p:blipFill>
+          <a:blip r:embed="rId3"/>
+          <a:stretch>
+            <a:fillRect/>
+          </a:stretch>
+        </p:blipFill>
+        <p:spPr>
+          <a:xfrm>
+            <a:off x="0" y="5976062"/>
+            <a:ext cx="12192000" cy="881939"/>
+          </a:xfrm>
+          <a:prstGeom prst="rect">
+            <a:avLst/>
+          </a:prstGeom>
+        </p:spPr>
+      </p:pic>
+      <p:pic>
+        <p:nvPicPr>
+          <p:cNvPr id="13" name="Picture 12" descr="A screenshot of a phone&#10;&#10;AI-generated content may be incorrect.">
+            <a:extLst>
+              <a:ext uri="{FF2B5EF4-FFF2-40B4-BE49-F238E27FC236}">
+                <a16:creationId xmlns:a16="http://schemas.microsoft.com/office/drawing/2014/main" id="{653B077C-15A3-D3F8-A935-4DFFA3AC81C9}"/>
+              </a:ext>
+            </a:extLst>
+          </p:cNvPr>
+          <p:cNvPicPr>
+            <a:picLocks noChangeAspect="1"/>
+          </p:cNvPicPr>
+          <p:nvPr/>
+        </p:nvPicPr>
+        <p:blipFill>
+          <a:blip r:embed="rId4"/>
+          <a:stretch>
+            <a:fillRect/>
+          </a:stretch>
+        </p:blipFill>
+        <p:spPr>
+          <a:xfrm>
+            <a:off x="7563661" y="1419676"/>
+            <a:ext cx="3462302" cy="3912401"/>
+          </a:xfrm>
+          <a:prstGeom prst="rect">
+            <a:avLst/>
+          </a:prstGeom>
+        </p:spPr>
+      </p:pic>
+    </p:spTree>
+    <p:extLst>
+      <p:ext uri="{BB962C8B-B14F-4D97-AF65-F5344CB8AC3E}">
+        <p14:creationId xmlns:p14="http://schemas.microsoft.com/office/powerpoint/2010/main" val="936755185"/>
+      </p:ext>
+    </p:extLst>
+  </p:cSld>
+  <p:clrMapOvr>
+    <a:masterClrMapping/>
+  </p:clrMapOvr>
+</p:sld>
+</file>
+
+<file path=ppt/slides/slide11.xml><?xml version="1.0" encoding="utf-8"?>
+<p:sld xmlns:a="http://schemas.openxmlformats.org/drawingml/2006/main" xmlns:r="http://schemas.openxmlformats.org/officeDocument/2006/relationships" xmlns:p="http://schemas.openxmlformats.org/presentationml/2006/main">
+  <p:cSld>
+    <p:spTree>
+      <p:nvGrpSpPr>
+        <p:cNvPr id="1" name=""/>
+        <p:cNvGrpSpPr/>
+        <p:nvPr/>
+      </p:nvGrpSpPr>
+      <p:grpSpPr>
+        <a:xfrm>
+          <a:off x="0" y="0"/>
+          <a:ext cx="0" cy="0"/>
+          <a:chOff x="0" y="0"/>
+          <a:chExt cx="0" cy="0"/>
+        </a:xfrm>
+      </p:grpSpPr>
+      <p:sp>
+        <p:nvSpPr>
+          <p:cNvPr id="2" name="Google Shape;54;p13">
+            <a:extLst>
+              <a:ext uri="{FF2B5EF4-FFF2-40B4-BE49-F238E27FC236}">
+                <a16:creationId xmlns:a16="http://schemas.microsoft.com/office/drawing/2014/main" id="{7BA22064-1651-98A0-9295-E49600C268E0}"/>
+              </a:ext>
+            </a:extLst>
+          </p:cNvPr>
+          <p:cNvSpPr txBox="1"/>
+          <p:nvPr/>
+        </p:nvSpPr>
+        <p:spPr>
+          <a:xfrm>
+            <a:off x="446690" y="199590"/>
+            <a:ext cx="11298620" cy="784790"/>
+          </a:xfrm>
+          <a:prstGeom prst="rect">
+            <a:avLst/>
+          </a:prstGeom>
+          <a:noFill/>
+          <a:ln>
+            <a:noFill/>
+          </a:ln>
+        </p:spPr>
+        <p:txBody>
+          <a:bodyPr spcFirstLastPara="1" wrap="square" lIns="121900" tIns="121900" rIns="121900" bIns="121900" anchor="t" anchorCtr="0">
+            <a:spAutoFit/>
+          </a:bodyPr>
+          <a:lstStyle/>
+          <a:p>
+            <a:pPr algn="ctr">
+              <a:lnSpc>
+                <a:spcPct val="125454"/>
+              </a:lnSpc>
+            </a:pPr>
+            <a:r>
+              <a:rPr lang="en-US" sz="2800" dirty="0">
+                <a:latin typeface="Avenir"/>
+                <a:ea typeface="Avenir"/>
+                <a:cs typeface="Avenir"/>
+                <a:sym typeface="Avenir"/>
+              </a:rPr>
+              <a:t>Post-fire vegetation recovery for the Holiday Farm Fire, Oregon</a:t>
+            </a:r>
+          </a:p>
+        </p:txBody>
+      </p:sp>
+      <p:pic>
+        <p:nvPicPr>
+          <p:cNvPr id="4" name="Picture 3" descr="A screenshot of a red and yellow map&#10;&#10;Description automatically generated">
+            <a:extLst>
+              <a:ext uri="{FF2B5EF4-FFF2-40B4-BE49-F238E27FC236}">
+                <a16:creationId xmlns:a16="http://schemas.microsoft.com/office/drawing/2014/main" id="{DEDA747B-4397-1B83-E2AE-1870C66775B3}"/>
+              </a:ext>
+            </a:extLst>
+          </p:cNvPr>
+          <p:cNvPicPr>
+            <a:picLocks noChangeAspect="1"/>
+          </p:cNvPicPr>
+          <p:nvPr/>
+        </p:nvPicPr>
+        <p:blipFill rotWithShape="1">
+          <a:blip/>
+          <a:srcRect r="2235" b="58467"/>
+          <a:stretch/>
+        </p:blipFill>
+        <p:spPr>
+          <a:xfrm>
+            <a:off x="2465294" y="830317"/>
+            <a:ext cx="7099120" cy="2848303"/>
+          </a:xfrm>
+          <a:prstGeom prst="rect">
+            <a:avLst/>
+          </a:prstGeom>
+        </p:spPr>
+      </p:pic>
+      <p:pic>
+        <p:nvPicPr>
+          <p:cNvPr id="5" name="Picture 4" descr="A screenshot of a red and yellow map&#10;&#10;Description automatically generated">
+            <a:extLst>
+              <a:ext uri="{FF2B5EF4-FFF2-40B4-BE49-F238E27FC236}">
+                <a16:creationId xmlns:a16="http://schemas.microsoft.com/office/drawing/2014/main" id="{51DD65AD-3A11-4B10-3606-7DF3576F490A}"/>
+              </a:ext>
+            </a:extLst>
+          </p:cNvPr>
+          <p:cNvPicPr>
+            <a:picLocks noChangeAspect="1"/>
+          </p:cNvPicPr>
+          <p:nvPr/>
+        </p:nvPicPr>
+        <p:blipFill rotWithShape="1">
+          <a:blip/>
+          <a:srcRect t="53410" r="1221"/>
+          <a:stretch/>
+        </p:blipFill>
+        <p:spPr>
+          <a:xfrm>
+            <a:off x="2465294" y="3678620"/>
+            <a:ext cx="7172692" cy="3195145"/>
+          </a:xfrm>
+          <a:prstGeom prst="rect">
+            <a:avLst/>
+          </a:prstGeom>
+        </p:spPr>
+      </p:pic>
+    </p:spTree>
+    <p:extLst>
+      <p:ext uri="{BB962C8B-B14F-4D97-AF65-F5344CB8AC3E}">
+        <p14:creationId xmlns:p14="http://schemas.microsoft.com/office/powerpoint/2010/main" val="3915567624"/>
+      </p:ext>
+    </p:extLst>
+  </p:cSld>
+  <p:clrMapOvr>
+    <a:masterClrMapping/>
+  </p:clrMapOvr>
+</p:sld>
+</file>
+
+<file path=ppt/slides/slide12.xml><?xml version="1.0" encoding="utf-8"?>
 <p:sld xmlns:a="http://schemas.openxmlformats.org/drawingml/2006/main" xmlns:r="http://schemas.openxmlformats.org/officeDocument/2006/relationships" xmlns:p="http://schemas.openxmlformats.org/presentationml/2006/main">
   <p:cSld>
     <p:spTree>
@@ -4792,7 +5720,7 @@
 </p:sld>
 </file>
 
-<file path=ppt/slides/slide11.xml><?xml version="1.0" encoding="utf-8"?>
+<file path=ppt/slides/slide13.xml><?xml version="1.0" encoding="utf-8"?>
 <p:sld xmlns:a="http://schemas.openxmlformats.org/drawingml/2006/main" xmlns:r="http://schemas.openxmlformats.org/officeDocument/2006/relationships" xmlns:p="http://schemas.openxmlformats.org/presentationml/2006/main">
   <p:cSld>
     <p:spTree>
@@ -4938,7 +5866,7 @@
 </p:sld>
 </file>
 
-<file path=ppt/slides/slide12.xml><?xml version="1.0" encoding="utf-8"?>
+<file path=ppt/slides/slide14.xml><?xml version="1.0" encoding="utf-8"?>
 <p:sld xmlns:a="http://schemas.openxmlformats.org/drawingml/2006/main" xmlns:r="http://schemas.openxmlformats.org/officeDocument/2006/relationships" xmlns:p="http://schemas.openxmlformats.org/presentationml/2006/main">
   <p:cSld>
     <p:spTree>
@@ -5159,7 +6087,7 @@
 </p:sld>
 </file>
 
-<file path=ppt/slides/slide13.xml><?xml version="1.0" encoding="utf-8"?>
+<file path=ppt/slides/slide15.xml><?xml version="1.0" encoding="utf-8"?>
 <p:sld xmlns:a="http://schemas.openxmlformats.org/drawingml/2006/main" xmlns:r="http://schemas.openxmlformats.org/officeDocument/2006/relationships" xmlns:p="http://schemas.openxmlformats.org/presentationml/2006/main">
   <p:cSld>
     <p:spTree>
@@ -5267,7 +6195,7 @@
 </p:sld>
 </file>
 
-<file path=ppt/slides/slide14.xml><?xml version="1.0" encoding="utf-8"?>
+<file path=ppt/slides/slide16.xml><?xml version="1.0" encoding="utf-8"?>
 <p:sld xmlns:a="http://schemas.openxmlformats.org/drawingml/2006/main" xmlns:r="http://schemas.openxmlformats.org/officeDocument/2006/relationships" xmlns:p="http://schemas.openxmlformats.org/presentationml/2006/main">
   <p:cSld>
     <p:spTree>
@@ -5375,7 +6303,7 @@
 </p:sld>
 </file>
 
-<file path=ppt/slides/slide15.xml><?xml version="1.0" encoding="utf-8"?>
+<file path=ppt/slides/slide17.xml><?xml version="1.0" encoding="utf-8"?>
 <p:sld xmlns:a="http://schemas.openxmlformats.org/drawingml/2006/main" xmlns:r="http://schemas.openxmlformats.org/officeDocument/2006/relationships" xmlns:p="http://schemas.openxmlformats.org/presentationml/2006/main">
   <p:cSld>
     <p:spTree>
@@ -5513,12 +6441,12 @@
 </p:sld>
 </file>
 
-<file path=ppt/slides/slide16.xml><?xml version="1.0" encoding="utf-8"?>
+<file path=ppt/slides/slide18.xml><?xml version="1.0" encoding="utf-8"?>
 <p:sld xmlns:a="http://schemas.openxmlformats.org/drawingml/2006/main" xmlns:r="http://schemas.openxmlformats.org/officeDocument/2006/relationships" xmlns:p="http://schemas.openxmlformats.org/presentationml/2006/main">
   <p:cSld>
     <p:spTree>
       <p:nvGrpSpPr>
-        <p:cNvPr id="1" name=""/>
+        <p:cNvPr id="1" name="Shape 53"/>
         <p:cNvGrpSpPr/>
         <p:nvPr/>
       </p:nvGrpSpPr>
@@ -5530,12 +6458,230 @@
           <a:chExt cx="0" cy="0"/>
         </a:xfrm>
       </p:grpSpPr>
+      <p:sp>
+        <p:nvSpPr>
+          <p:cNvPr id="54" name="Google Shape;54;p13"/>
+          <p:cNvSpPr txBox="1"/>
+          <p:nvPr/>
+        </p:nvSpPr>
+        <p:spPr>
+          <a:xfrm>
+            <a:off x="1249000" y="210767"/>
+            <a:ext cx="9694000" cy="861734"/>
+          </a:xfrm>
+          <a:prstGeom prst="rect">
+            <a:avLst/>
+          </a:prstGeom>
+          <a:noFill/>
+          <a:ln>
+            <a:noFill/>
+          </a:ln>
+        </p:spPr>
+        <p:txBody>
+          <a:bodyPr spcFirstLastPara="1" wrap="square" lIns="121900" tIns="121900" rIns="121900" bIns="121900" anchor="t" anchorCtr="0">
+            <a:spAutoFit/>
+          </a:bodyPr>
+          <a:lstStyle/>
+          <a:p>
+            <a:pPr algn="ctr">
+              <a:lnSpc>
+                <a:spcPct val="125454"/>
+              </a:lnSpc>
+            </a:pPr>
+            <a:r>
+              <a:rPr lang="en-GB" sz="3200" dirty="0">
+                <a:latin typeface="Avenir"/>
+                <a:ea typeface="Avenir"/>
+                <a:cs typeface="Avenir"/>
+                <a:sym typeface="Avenir"/>
+              </a:rPr>
+              <a:t>Next time: Specialized neural networks</a:t>
+            </a:r>
+            <a:endParaRPr sz="3200" dirty="0">
+              <a:latin typeface="Avenir"/>
+              <a:ea typeface="Avenir"/>
+              <a:cs typeface="Avenir"/>
+              <a:sym typeface="Avenir"/>
+            </a:endParaRPr>
+          </a:p>
+        </p:txBody>
+      </p:sp>
+      <p:sp>
+        <p:nvSpPr>
+          <p:cNvPr id="3" name="TextBox 2">
+            <a:extLst>
+              <a:ext uri="{FF2B5EF4-FFF2-40B4-BE49-F238E27FC236}">
+                <a16:creationId xmlns:a16="http://schemas.microsoft.com/office/drawing/2014/main" id="{714B0622-7667-6014-7461-E2DD70321733}"/>
+              </a:ext>
+            </a:extLst>
+          </p:cNvPr>
+          <p:cNvSpPr txBox="1"/>
+          <p:nvPr/>
+        </p:nvSpPr>
+        <p:spPr>
+          <a:xfrm>
+            <a:off x="0" y="5934670"/>
+            <a:ext cx="6810703" cy="923330"/>
+          </a:xfrm>
+          <a:prstGeom prst="rect">
+            <a:avLst/>
+          </a:prstGeom>
+          <a:noFill/>
+        </p:spPr>
+        <p:txBody>
+          <a:bodyPr wrap="square">
+            <a:spAutoFit/>
+          </a:bodyPr>
+          <a:lstStyle/>
+          <a:p>
+            <a:pPr marL="0" lvl="0" indent="0" rtl="0">
+              <a:spcBef>
+                <a:spcPts val="0"/>
+              </a:spcBef>
+              <a:spcAft>
+                <a:spcPts val="0"/>
+              </a:spcAft>
+              <a:buNone/>
+            </a:pPr>
+            <a:r>
+              <a:rPr lang="en-GB" sz="1800" b="1" dirty="0">
+                <a:solidFill>
+                  <a:srgbClr val="000000"/>
+                </a:solidFill>
+                <a:latin typeface="Avenir"/>
+                <a:ea typeface="Avenir"/>
+                <a:cs typeface="Avenir"/>
+                <a:sym typeface="Avenir"/>
+              </a:rPr>
+              <a:t>Email:</a:t>
+            </a:r>
+            <a:r>
+              <a:rPr lang="en-GB" sz="1800" dirty="0">
+                <a:solidFill>
+                  <a:srgbClr val="000000"/>
+                </a:solidFill>
+                <a:latin typeface="Avenir"/>
+                <a:ea typeface="Avenir"/>
+                <a:cs typeface="Avenir"/>
+                <a:sym typeface="Avenir"/>
+              </a:rPr>
+              <a:t> </a:t>
+            </a:r>
+            <a:r>
+              <a:rPr lang="en-GB" u="sng" dirty="0" err="1">
+                <a:solidFill>
+                  <a:srgbClr val="0097A7"/>
+                </a:solidFill>
+                <a:latin typeface="Avenir"/>
+                <a:ea typeface="Avenir"/>
+                <a:cs typeface="Avenir"/>
+                <a:sym typeface="Avenir"/>
+              </a:rPr>
+              <a:t>j</a:t>
+            </a:r>
+            <a:r>
+              <a:rPr lang="en-GB" sz="1800" u="sng" dirty="0" err="1">
+                <a:solidFill>
+                  <a:srgbClr val="0097A7"/>
+                </a:solidFill>
+                <a:latin typeface="Avenir"/>
+                <a:ea typeface="Avenir"/>
+                <a:cs typeface="Avenir"/>
+                <a:sym typeface="Avenir"/>
+              </a:rPr>
+              <a:t>onathan.ryan@duke.edu</a:t>
+            </a:r>
+            <a:endParaRPr lang="en-GB" sz="1800" dirty="0">
+              <a:solidFill>
+                <a:srgbClr val="000000"/>
+              </a:solidFill>
+              <a:latin typeface="Avenir"/>
+              <a:ea typeface="Avenir"/>
+              <a:cs typeface="Avenir"/>
+              <a:sym typeface="Avenir"/>
+            </a:endParaRPr>
+          </a:p>
+          <a:p>
+            <a:pPr marL="0" lvl="0" indent="0" rtl="0">
+              <a:spcBef>
+                <a:spcPts val="0"/>
+              </a:spcBef>
+              <a:spcAft>
+                <a:spcPts val="0"/>
+              </a:spcAft>
+              <a:buNone/>
+            </a:pPr>
+            <a:r>
+              <a:rPr lang="en-GB" sz="1800" b="1" dirty="0">
+                <a:latin typeface="Avenir"/>
+                <a:ea typeface="Avenir"/>
+                <a:cs typeface="Avenir"/>
+                <a:sym typeface="Avenir"/>
+              </a:rPr>
+              <a:t>Office: </a:t>
+            </a:r>
+            <a:r>
+              <a:rPr lang="en-GB" sz="1800" dirty="0">
+                <a:latin typeface="Avenir"/>
+                <a:ea typeface="Avenir"/>
+                <a:cs typeface="Avenir"/>
+                <a:sym typeface="Avenir"/>
+              </a:rPr>
+              <a:t>3101 Grainger Hall</a:t>
+            </a:r>
+            <a:endParaRPr lang="en-GB" sz="1800" dirty="0">
+              <a:solidFill>
+                <a:srgbClr val="000000"/>
+              </a:solidFill>
+              <a:latin typeface="Avenir"/>
+              <a:ea typeface="Avenir"/>
+              <a:cs typeface="Avenir"/>
+              <a:sym typeface="Avenir"/>
+            </a:endParaRPr>
+          </a:p>
+          <a:p>
+            <a:pPr marL="0" lvl="0" indent="0" rtl="0">
+              <a:spcBef>
+                <a:spcPts val="0"/>
+              </a:spcBef>
+              <a:spcAft>
+                <a:spcPts val="0"/>
+              </a:spcAft>
+              <a:buNone/>
+            </a:pPr>
+            <a:r>
+              <a:rPr lang="en-GB" sz="1800" b="1" dirty="0">
+                <a:solidFill>
+                  <a:srgbClr val="000000"/>
+                </a:solidFill>
+                <a:latin typeface="Avenir"/>
+                <a:ea typeface="Avenir"/>
+                <a:cs typeface="Avenir"/>
+                <a:sym typeface="Avenir"/>
+              </a:rPr>
+              <a:t>Office hours: </a:t>
+            </a:r>
+            <a:r>
+              <a:rPr lang="en-GB" sz="1800" dirty="0">
+                <a:solidFill>
+                  <a:srgbClr val="000000"/>
+                </a:solidFill>
+                <a:latin typeface="Avenir"/>
+                <a:ea typeface="Avenir"/>
+                <a:cs typeface="Avenir"/>
+                <a:sym typeface="Avenir"/>
+              </a:rPr>
+              <a:t>Mondays and Wednesdays 15:00-16:00</a:t>
+            </a:r>
+          </a:p>
+        </p:txBody>
+      </p:sp>
       <p:pic>
         <p:nvPicPr>
-          <p:cNvPr id="3" name="Picture 2" descr="A picture containing text, player, hitting, screenshot&#10;&#10;Description automatically generated">
-            <a:extLst>
-              <a:ext uri="{FF2B5EF4-FFF2-40B4-BE49-F238E27FC236}">
-                <a16:creationId xmlns:a16="http://schemas.microsoft.com/office/drawing/2014/main" id="{40665D73-D617-E0BC-7630-27E6C85D29FE}"/>
+          <p:cNvPr id="2" name="Picture 1" descr="A picture containing text, writing implement, stationary, pencil&#10;&#10;Description automatically generated">
+            <a:extLst>
+              <a:ext uri="{FF2B5EF4-FFF2-40B4-BE49-F238E27FC236}">
+                <a16:creationId xmlns:a16="http://schemas.microsoft.com/office/drawing/2014/main" id="{AAEA41C4-ED91-09F0-A83A-6B72342C5948}"/>
               </a:ext>
             </a:extLst>
           </p:cNvPr>
@@ -5545,15 +6691,15 @@
           <p:nvPr/>
         </p:nvPicPr>
         <p:blipFill>
-          <a:blip r:embed="rId2"/>
+          <a:blip r:embed="rId3"/>
           <a:stretch>
             <a:fillRect/>
           </a:stretch>
         </p:blipFill>
         <p:spPr>
           <a:xfrm>
-            <a:off x="0" y="0"/>
-            <a:ext cx="12192000" cy="6858000"/>
+            <a:off x="3279422" y="1688054"/>
+            <a:ext cx="5633156" cy="4084039"/>
           </a:xfrm>
           <a:prstGeom prst="rect">
             <a:avLst/>
@@ -5561,11 +6707,6 @@
         </p:spPr>
       </p:pic>
     </p:spTree>
-    <p:extLst>
-      <p:ext uri="{BB962C8B-B14F-4D97-AF65-F5344CB8AC3E}">
-        <p14:creationId xmlns:p14="http://schemas.microsoft.com/office/powerpoint/2010/main" val="1459041646"/>
-      </p:ext>
-    </p:extLst>
   </p:cSld>
   <p:clrMapOvr>
     <a:masterClrMapping/>
@@ -5590,66 +6731,12 @@
           <a:chExt cx="0" cy="0"/>
         </a:xfrm>
       </p:grpSpPr>
-      <p:sp>
-        <p:nvSpPr>
-          <p:cNvPr id="2" name="Google Shape;54;p13">
-            <a:extLst>
-              <a:ext uri="{FF2B5EF4-FFF2-40B4-BE49-F238E27FC236}">
-                <a16:creationId xmlns:a16="http://schemas.microsoft.com/office/drawing/2014/main" id="{7BA22064-1651-98A0-9295-E49600C268E0}"/>
-              </a:ext>
-            </a:extLst>
-          </p:cNvPr>
-          <p:cNvSpPr txBox="1"/>
-          <p:nvPr/>
-        </p:nvSpPr>
-        <p:spPr>
-          <a:xfrm>
-            <a:off x="1979568" y="214950"/>
-            <a:ext cx="8232864" cy="784790"/>
-          </a:xfrm>
-          <a:prstGeom prst="rect">
-            <a:avLst/>
-          </a:prstGeom>
-          <a:noFill/>
-          <a:ln>
-            <a:noFill/>
-          </a:ln>
-        </p:spPr>
-        <p:txBody>
-          <a:bodyPr spcFirstLastPara="1" wrap="square" lIns="121900" tIns="121900" rIns="121900" bIns="121900" anchor="t" anchorCtr="0">
-            <a:spAutoFit/>
-          </a:bodyPr>
-          <a:lstStyle/>
-          <a:p>
-            <a:pPr algn="ctr">
-              <a:lnSpc>
-                <a:spcPct val="125454"/>
-              </a:lnSpc>
-            </a:pPr>
-            <a:r>
-              <a:rPr lang="en-US" sz="2800" dirty="0">
-                <a:latin typeface="Avenir"/>
-                <a:ea typeface="Avenir"/>
-                <a:cs typeface="Avenir"/>
-                <a:sym typeface="Avenir"/>
-              </a:rPr>
-              <a:t>Final projects</a:t>
-            </a:r>
-            <a:endParaRPr sz="2800" dirty="0">
-              <a:latin typeface="Avenir"/>
-              <a:ea typeface="Avenir"/>
-              <a:cs typeface="Avenir"/>
-              <a:sym typeface="Avenir"/>
-            </a:endParaRPr>
-          </a:p>
-        </p:txBody>
-      </p:sp>
       <p:pic>
         <p:nvPicPr>
-          <p:cNvPr id="5" name="Picture 4" descr="A white text on a black background&#10;&#10;Description automatically generated">
-            <a:extLst>
-              <a:ext uri="{FF2B5EF4-FFF2-40B4-BE49-F238E27FC236}">
-                <a16:creationId xmlns:a16="http://schemas.microsoft.com/office/drawing/2014/main" id="{DC85BD91-C35D-41BE-25A3-E3BE8DDF0ABF}"/>
+          <p:cNvPr id="4" name="Picture 3" descr="A white sheet with black text&#10;&#10;AI-generated content may be incorrect.">
+            <a:extLst>
+              <a:ext uri="{FF2B5EF4-FFF2-40B4-BE49-F238E27FC236}">
+                <a16:creationId xmlns:a16="http://schemas.microsoft.com/office/drawing/2014/main" id="{2D4891EF-599B-827C-EE3D-5D2E2016B57C}"/>
               </a:ext>
             </a:extLst>
           </p:cNvPr>
@@ -5658,21 +6745,66 @@
           </p:cNvPicPr>
           <p:nvPr/>
         </p:nvPicPr>
-        <p:blipFill rotWithShape="1">
+        <p:blipFill>
           <a:blip r:embed="rId2"/>
-          <a:srcRect t="12859" b="67684"/>
-          <a:stretch/>
+          <a:stretch>
+            <a:fillRect/>
+          </a:stretch>
         </p:blipFill>
         <p:spPr>
           <a:xfrm>
-            <a:off x="245680" y="1202612"/>
-            <a:ext cx="10082366" cy="1214768"/>
+            <a:off x="2619624" y="0"/>
+            <a:ext cx="6952751" cy="6859550"/>
           </a:xfrm>
           <a:prstGeom prst="rect">
             <a:avLst/>
           </a:prstGeom>
         </p:spPr>
       </p:pic>
+      <p:cxnSp>
+        <p:nvCxnSpPr>
+          <p:cNvPr id="7" name="Straight Arrow Connector 6">
+            <a:extLst>
+              <a:ext uri="{FF2B5EF4-FFF2-40B4-BE49-F238E27FC236}">
+                <a16:creationId xmlns:a16="http://schemas.microsoft.com/office/drawing/2014/main" id="{BB956F8A-15A7-73EA-3185-18AB62C1715E}"/>
+              </a:ext>
+            </a:extLst>
+          </p:cNvPr>
+          <p:cNvCxnSpPr>
+            <a:cxnSpLocks/>
+          </p:cNvCxnSpPr>
+          <p:nvPr/>
+        </p:nvCxnSpPr>
+        <p:spPr>
+          <a:xfrm flipH="1">
+            <a:off x="9572375" y="5879805"/>
+            <a:ext cx="847532" cy="0"/>
+          </a:xfrm>
+          <a:prstGeom prst="straightConnector1">
+            <a:avLst/>
+          </a:prstGeom>
+          <a:ln w="57150">
+            <a:solidFill>
+              <a:srgbClr val="C00000"/>
+            </a:solidFill>
+            <a:tailEnd type="triangle"/>
+          </a:ln>
+        </p:spPr>
+        <p:style>
+          <a:lnRef idx="2">
+            <a:schemeClr val="accent1"/>
+          </a:lnRef>
+          <a:fillRef idx="0">
+            <a:schemeClr val="accent1"/>
+          </a:fillRef>
+          <a:effectRef idx="1">
+            <a:schemeClr val="accent1"/>
+          </a:effectRef>
+          <a:fontRef idx="minor">
+            <a:schemeClr val="tx1"/>
+          </a:fontRef>
+        </p:style>
+      </p:cxnSp>
     </p:spTree>
     <p:extLst>
       <p:ext uri="{BB962C8B-B14F-4D97-AF65-F5344CB8AC3E}">
@@ -5746,14 +6878,8 @@
                 <a:cs typeface="Avenir"/>
                 <a:sym typeface="Avenir"/>
               </a:rPr>
-              <a:t>Final projects</a:t>
-            </a:r>
-            <a:endParaRPr sz="2800" dirty="0">
-              <a:latin typeface="Avenir"/>
-              <a:ea typeface="Avenir"/>
-              <a:cs typeface="Avenir"/>
-              <a:sym typeface="Avenir"/>
-            </a:endParaRPr>
+              <a:t>Assignment 7 (due Oct 22)</a:t>
+            </a:r>
           </a:p>
         </p:txBody>
       </p:sp>
@@ -5773,13 +6899,15 @@
         </p:nvPicPr>
         <p:blipFill rotWithShape="1">
           <a:blip r:embed="rId2"/>
-          <a:srcRect t="12859" b="48156"/>
-          <a:stretch/>
+          <a:srcRect t="12859" b="68085"/>
+          <a:stretch>
+            <a:fillRect/>
+          </a:stretch>
         </p:blipFill>
         <p:spPr>
           <a:xfrm>
-            <a:off x="245680" y="1202612"/>
-            <a:ext cx="10082366" cy="2433968"/>
+            <a:off x="245680" y="1202611"/>
+            <a:ext cx="10082366" cy="1189715"/>
           </a:xfrm>
           <a:prstGeom prst="rect">
             <a:avLst/>
@@ -5789,7 +6917,7 @@
     </p:spTree>
     <p:extLst>
       <p:ext uri="{BB962C8B-B14F-4D97-AF65-F5344CB8AC3E}">
-        <p14:creationId xmlns:p14="http://schemas.microsoft.com/office/powerpoint/2010/main" val="1132820971"/>
+        <p14:creationId xmlns:p14="http://schemas.microsoft.com/office/powerpoint/2010/main" val="2346324315"/>
       </p:ext>
     </p:extLst>
   </p:cSld>
@@ -5804,7 +6932,13 @@
   <p:cSld>
     <p:spTree>
       <p:nvGrpSpPr>
-        <p:cNvPr id="1" name=""/>
+        <p:cNvPr id="1" name="">
+          <a:extLst>
+            <a:ext uri="{FF2B5EF4-FFF2-40B4-BE49-F238E27FC236}">
+              <a16:creationId xmlns:a16="http://schemas.microsoft.com/office/drawing/2014/main" id="{CA65586B-58EC-C079-2D70-E8177E5236DD}"/>
+            </a:ext>
+          </a:extLst>
+        </p:cNvPr>
         <p:cNvGrpSpPr/>
         <p:nvPr/>
       </p:nvGrpSpPr>
@@ -5821,7 +6955,7 @@
           <p:cNvPr id="2" name="Google Shape;54;p13">
             <a:extLst>
               <a:ext uri="{FF2B5EF4-FFF2-40B4-BE49-F238E27FC236}">
-                <a16:creationId xmlns:a16="http://schemas.microsoft.com/office/drawing/2014/main" id="{7BA22064-1651-98A0-9295-E49600C268E0}"/>
+                <a16:creationId xmlns:a16="http://schemas.microsoft.com/office/drawing/2014/main" id="{7A63CDC2-3D88-6065-B1D2-1B70BAE734D6}"/>
               </a:ext>
             </a:extLst>
           </p:cNvPr>
@@ -5859,14 +6993,8 @@
                 <a:cs typeface="Avenir"/>
                 <a:sym typeface="Avenir"/>
               </a:rPr>
-              <a:t>Final projects</a:t>
-            </a:r>
-            <a:endParaRPr sz="2800" dirty="0">
-              <a:latin typeface="Avenir"/>
-              <a:ea typeface="Avenir"/>
-              <a:cs typeface="Avenir"/>
-              <a:sym typeface="Avenir"/>
-            </a:endParaRPr>
+              <a:t>Assignment 7 (due Oct 22)</a:t>
+            </a:r>
           </a:p>
         </p:txBody>
       </p:sp>
@@ -5875,7 +7003,122 @@
           <p:cNvPr id="5" name="Picture 4" descr="A white text on a black background&#10;&#10;Description automatically generated">
             <a:extLst>
               <a:ext uri="{FF2B5EF4-FFF2-40B4-BE49-F238E27FC236}">
-                <a16:creationId xmlns:a16="http://schemas.microsoft.com/office/drawing/2014/main" id="{DC85BD91-C35D-41BE-25A3-E3BE8DDF0ABF}"/>
+                <a16:creationId xmlns:a16="http://schemas.microsoft.com/office/drawing/2014/main" id="{7A7539B7-8678-A460-8B06-B0C5E460F054}"/>
+              </a:ext>
+            </a:extLst>
+          </p:cNvPr>
+          <p:cNvPicPr>
+            <a:picLocks noChangeAspect="1"/>
+          </p:cNvPicPr>
+          <p:nvPr/>
+        </p:nvPicPr>
+        <p:blipFill rotWithShape="1">
+          <a:blip r:embed="rId2"/>
+          <a:srcRect t="12859" b="48841"/>
+          <a:stretch>
+            <a:fillRect/>
+          </a:stretch>
+        </p:blipFill>
+        <p:spPr>
+          <a:xfrm>
+            <a:off x="245680" y="1202612"/>
+            <a:ext cx="10082366" cy="2391194"/>
+          </a:xfrm>
+          <a:prstGeom prst="rect">
+            <a:avLst/>
+          </a:prstGeom>
+        </p:spPr>
+      </p:pic>
+    </p:spTree>
+    <p:extLst>
+      <p:ext uri="{BB962C8B-B14F-4D97-AF65-F5344CB8AC3E}">
+        <p14:creationId xmlns:p14="http://schemas.microsoft.com/office/powerpoint/2010/main" val="249026388"/>
+      </p:ext>
+    </p:extLst>
+  </p:cSld>
+  <p:clrMapOvr>
+    <a:masterClrMapping/>
+  </p:clrMapOvr>
+</p:sld>
+</file>
+
+<file path=ppt/slides/slide5.xml><?xml version="1.0" encoding="utf-8"?>
+<p:sld xmlns:a="http://schemas.openxmlformats.org/drawingml/2006/main" xmlns:r="http://schemas.openxmlformats.org/officeDocument/2006/relationships" xmlns:p="http://schemas.openxmlformats.org/presentationml/2006/main">
+  <p:cSld>
+    <p:spTree>
+      <p:nvGrpSpPr>
+        <p:cNvPr id="1" name="">
+          <a:extLst>
+            <a:ext uri="{FF2B5EF4-FFF2-40B4-BE49-F238E27FC236}">
+              <a16:creationId xmlns:a16="http://schemas.microsoft.com/office/drawing/2014/main" id="{84F097A3-82B8-0549-C9A7-DA0B8FB82EB3}"/>
+            </a:ext>
+          </a:extLst>
+        </p:cNvPr>
+        <p:cNvGrpSpPr/>
+        <p:nvPr/>
+      </p:nvGrpSpPr>
+      <p:grpSpPr>
+        <a:xfrm>
+          <a:off x="0" y="0"/>
+          <a:ext cx="0" cy="0"/>
+          <a:chOff x="0" y="0"/>
+          <a:chExt cx="0" cy="0"/>
+        </a:xfrm>
+      </p:grpSpPr>
+      <p:sp>
+        <p:nvSpPr>
+          <p:cNvPr id="2" name="Google Shape;54;p13">
+            <a:extLst>
+              <a:ext uri="{FF2B5EF4-FFF2-40B4-BE49-F238E27FC236}">
+                <a16:creationId xmlns:a16="http://schemas.microsoft.com/office/drawing/2014/main" id="{97E588EF-28B4-1DCE-E9D2-8F0D9B672FC8}"/>
+              </a:ext>
+            </a:extLst>
+          </p:cNvPr>
+          <p:cNvSpPr txBox="1"/>
+          <p:nvPr/>
+        </p:nvSpPr>
+        <p:spPr>
+          <a:xfrm>
+            <a:off x="1979568" y="214950"/>
+            <a:ext cx="8232864" cy="784790"/>
+          </a:xfrm>
+          <a:prstGeom prst="rect">
+            <a:avLst/>
+          </a:prstGeom>
+          <a:noFill/>
+          <a:ln>
+            <a:noFill/>
+          </a:ln>
+        </p:spPr>
+        <p:txBody>
+          <a:bodyPr spcFirstLastPara="1" wrap="square" lIns="121900" tIns="121900" rIns="121900" bIns="121900" anchor="t" anchorCtr="0">
+            <a:spAutoFit/>
+          </a:bodyPr>
+          <a:lstStyle/>
+          <a:p>
+            <a:pPr algn="ctr">
+              <a:lnSpc>
+                <a:spcPct val="125454"/>
+              </a:lnSpc>
+            </a:pPr>
+            <a:r>
+              <a:rPr lang="en-US" sz="2800" dirty="0">
+                <a:latin typeface="Avenir"/>
+                <a:ea typeface="Avenir"/>
+                <a:cs typeface="Avenir"/>
+                <a:sym typeface="Avenir"/>
+              </a:rPr>
+              <a:t>Assignment 7 (due Oct 22)</a:t>
+            </a:r>
+          </a:p>
+        </p:txBody>
+      </p:sp>
+      <p:pic>
+        <p:nvPicPr>
+          <p:cNvPr id="5" name="Picture 4" descr="A white text on a black background&#10;&#10;Description automatically generated">
+            <a:extLst>
+              <a:ext uri="{FF2B5EF4-FFF2-40B4-BE49-F238E27FC236}">
+                <a16:creationId xmlns:a16="http://schemas.microsoft.com/office/drawing/2014/main" id="{AC07DA8F-CB41-F1A6-0BF4-9F22B4489008}"/>
               </a:ext>
             </a:extLst>
           </p:cNvPr>
@@ -5902,120 +7145,7 @@
     </p:spTree>
     <p:extLst>
       <p:ext uri="{BB962C8B-B14F-4D97-AF65-F5344CB8AC3E}">
-        <p14:creationId xmlns:p14="http://schemas.microsoft.com/office/powerpoint/2010/main" val="2346324315"/>
-      </p:ext>
-    </p:extLst>
-  </p:cSld>
-  <p:clrMapOvr>
-    <a:masterClrMapping/>
-  </p:clrMapOvr>
-</p:sld>
-</file>
-
-<file path=ppt/slides/slide5.xml><?xml version="1.0" encoding="utf-8"?>
-<p:sld xmlns:a="http://schemas.openxmlformats.org/drawingml/2006/main" xmlns:r="http://schemas.openxmlformats.org/officeDocument/2006/relationships" xmlns:p="http://schemas.openxmlformats.org/presentationml/2006/main">
-  <p:cSld>
-    <p:spTree>
-      <p:nvGrpSpPr>
-        <p:cNvPr id="1" name=""/>
-        <p:cNvGrpSpPr/>
-        <p:nvPr/>
-      </p:nvGrpSpPr>
-      <p:grpSpPr>
-        <a:xfrm>
-          <a:off x="0" y="0"/>
-          <a:ext cx="0" cy="0"/>
-          <a:chOff x="0" y="0"/>
-          <a:chExt cx="0" cy="0"/>
-        </a:xfrm>
-      </p:grpSpPr>
-      <p:sp>
-        <p:nvSpPr>
-          <p:cNvPr id="2" name="Google Shape;54;p13">
-            <a:extLst>
-              <a:ext uri="{FF2B5EF4-FFF2-40B4-BE49-F238E27FC236}">
-                <a16:creationId xmlns:a16="http://schemas.microsoft.com/office/drawing/2014/main" id="{7BA22064-1651-98A0-9295-E49600C268E0}"/>
-              </a:ext>
-            </a:extLst>
-          </p:cNvPr>
-          <p:cNvSpPr txBox="1"/>
-          <p:nvPr/>
-        </p:nvSpPr>
-        <p:spPr>
-          <a:xfrm>
-            <a:off x="-493987" y="0"/>
-            <a:ext cx="3727549" cy="784790"/>
-          </a:xfrm>
-          <a:prstGeom prst="rect">
-            <a:avLst/>
-          </a:prstGeom>
-          <a:noFill/>
-          <a:ln>
-            <a:noFill/>
-          </a:ln>
-        </p:spPr>
-        <p:txBody>
-          <a:bodyPr spcFirstLastPara="1" wrap="square" lIns="121900" tIns="121900" rIns="121900" bIns="121900" anchor="t" anchorCtr="0">
-            <a:spAutoFit/>
-          </a:bodyPr>
-          <a:lstStyle/>
-          <a:p>
-            <a:pPr algn="ctr">
-              <a:lnSpc>
-                <a:spcPct val="125454"/>
-              </a:lnSpc>
-            </a:pPr>
-            <a:r>
-              <a:rPr lang="en-US" sz="2800" dirty="0">
-                <a:latin typeface="Avenir"/>
-                <a:ea typeface="Avenir"/>
-                <a:cs typeface="Avenir"/>
-                <a:sym typeface="Avenir"/>
-              </a:rPr>
-              <a:t>Final projects</a:t>
-            </a:r>
-            <a:endParaRPr sz="2800" dirty="0">
-              <a:latin typeface="Avenir"/>
-              <a:ea typeface="Avenir"/>
-              <a:cs typeface="Avenir"/>
-              <a:sym typeface="Avenir"/>
-            </a:endParaRPr>
-          </a:p>
-        </p:txBody>
-      </p:sp>
-      <p:pic>
-        <p:nvPicPr>
-          <p:cNvPr id="4" name="Picture 3" descr="A screenshot of a white paper&#10;&#10;Description automatically generated">
-            <a:extLst>
-              <a:ext uri="{FF2B5EF4-FFF2-40B4-BE49-F238E27FC236}">
-                <a16:creationId xmlns:a16="http://schemas.microsoft.com/office/drawing/2014/main" id="{FC6F9D57-4E47-243C-4D39-FF67724123F4}"/>
-              </a:ext>
-            </a:extLst>
-          </p:cNvPr>
-          <p:cNvPicPr>
-            <a:picLocks noChangeAspect="1"/>
-          </p:cNvPicPr>
-          <p:nvPr/>
-        </p:nvPicPr>
-        <p:blipFill rotWithShape="1">
-          <a:blip r:embed="rId2"/>
-          <a:srcRect b="72853"/>
-          <a:stretch/>
-        </p:blipFill>
-        <p:spPr>
-          <a:xfrm>
-            <a:off x="2830047" y="134912"/>
-            <a:ext cx="8657760" cy="1788481"/>
-          </a:xfrm>
-          <a:prstGeom prst="rect">
-            <a:avLst/>
-          </a:prstGeom>
-        </p:spPr>
-      </p:pic>
-    </p:spTree>
-    <p:extLst>
-      <p:ext uri="{BB962C8B-B14F-4D97-AF65-F5344CB8AC3E}">
-        <p14:creationId xmlns:p14="http://schemas.microsoft.com/office/powerpoint/2010/main" val="1723039208"/>
+        <p14:creationId xmlns:p14="http://schemas.microsoft.com/office/powerpoint/2010/main" val="2570069993"/>
       </p:ext>
     </p:extLst>
   </p:cSld>
@@ -6044,10 +7174,10 @@
       </p:grpSpPr>
       <p:sp>
         <p:nvSpPr>
-          <p:cNvPr id="2" name="Google Shape;54;p13">
-            <a:extLst>
-              <a:ext uri="{FF2B5EF4-FFF2-40B4-BE49-F238E27FC236}">
-                <a16:creationId xmlns:a16="http://schemas.microsoft.com/office/drawing/2014/main" id="{7BA22064-1651-98A0-9295-E49600C268E0}"/>
+          <p:cNvPr id="3" name="Google Shape;54;p13">
+            <a:extLst>
+              <a:ext uri="{FF2B5EF4-FFF2-40B4-BE49-F238E27FC236}">
+                <a16:creationId xmlns:a16="http://schemas.microsoft.com/office/drawing/2014/main" id="{52B9A516-A613-8D7E-7D5D-8273C95DDD32}"/>
               </a:ext>
             </a:extLst>
           </p:cNvPr>
@@ -6056,8 +7186,8 @@
         </p:nvSpPr>
         <p:spPr>
           <a:xfrm>
-            <a:off x="-493987" y="0"/>
-            <a:ext cx="3727549" cy="784790"/>
+            <a:off x="1979568" y="214950"/>
+            <a:ext cx="8232864" cy="784790"/>
           </a:xfrm>
           <a:prstGeom prst="rect">
             <a:avLst/>
@@ -6085,23 +7215,17 @@
                 <a:cs typeface="Avenir"/>
                 <a:sym typeface="Avenir"/>
               </a:rPr>
-              <a:t>Final projects</a:t>
-            </a:r>
-            <a:endParaRPr sz="2800" dirty="0">
-              <a:latin typeface="Avenir"/>
-              <a:ea typeface="Avenir"/>
-              <a:cs typeface="Avenir"/>
-              <a:sym typeface="Avenir"/>
-            </a:endParaRPr>
+              <a:t>Final project report (due Dec 5)</a:t>
+            </a:r>
           </a:p>
         </p:txBody>
       </p:sp>
       <p:pic>
         <p:nvPicPr>
-          <p:cNvPr id="4" name="Picture 3" descr="A screenshot of a white paper&#10;&#10;Description automatically generated">
-            <a:extLst>
-              <a:ext uri="{FF2B5EF4-FFF2-40B4-BE49-F238E27FC236}">
-                <a16:creationId xmlns:a16="http://schemas.microsoft.com/office/drawing/2014/main" id="{FC6F9D57-4E47-243C-4D39-FF67724123F4}"/>
+          <p:cNvPr id="6" name="Picture 5" descr="A close-up of a questionnaire&#10;&#10;AI-generated content may be incorrect.">
+            <a:extLst>
+              <a:ext uri="{FF2B5EF4-FFF2-40B4-BE49-F238E27FC236}">
+                <a16:creationId xmlns:a16="http://schemas.microsoft.com/office/drawing/2014/main" id="{4A5EADF5-D816-D637-62A0-020BDBBE87A1}"/>
               </a:ext>
             </a:extLst>
           </p:cNvPr>
@@ -6110,15 +7234,17 @@
           </p:cNvPicPr>
           <p:nvPr/>
         </p:nvPicPr>
-        <p:blipFill rotWithShape="1">
+        <p:blipFill>
           <a:blip r:embed="rId2"/>
-          <a:srcRect b="56900"/>
-          <a:stretch/>
+          <a:srcRect b="63854"/>
+          <a:stretch>
+            <a:fillRect/>
+          </a:stretch>
         </p:blipFill>
         <p:spPr>
           <a:xfrm>
-            <a:off x="2830047" y="134913"/>
-            <a:ext cx="8657760" cy="2839516"/>
+            <a:off x="115291" y="999740"/>
+            <a:ext cx="11961417" cy="1956111"/>
           </a:xfrm>
           <a:prstGeom prst="rect">
             <a:avLst/>
@@ -6128,7 +7254,7 @@
     </p:spTree>
     <p:extLst>
       <p:ext uri="{BB962C8B-B14F-4D97-AF65-F5344CB8AC3E}">
-        <p14:creationId xmlns:p14="http://schemas.microsoft.com/office/powerpoint/2010/main" val="2228034119"/>
+        <p14:creationId xmlns:p14="http://schemas.microsoft.com/office/powerpoint/2010/main" val="1723039208"/>
       </p:ext>
     </p:extLst>
   </p:cSld>
@@ -6143,7 +7269,13 @@
   <p:cSld>
     <p:spTree>
       <p:nvGrpSpPr>
-        <p:cNvPr id="1" name=""/>
+        <p:cNvPr id="1" name="">
+          <a:extLst>
+            <a:ext uri="{FF2B5EF4-FFF2-40B4-BE49-F238E27FC236}">
+              <a16:creationId xmlns:a16="http://schemas.microsoft.com/office/drawing/2014/main" id="{5DA7D68A-53D5-8562-F37B-9B87F61B823D}"/>
+            </a:ext>
+          </a:extLst>
+        </p:cNvPr>
         <p:cNvGrpSpPr/>
         <p:nvPr/>
       </p:nvGrpSpPr>
@@ -6157,10 +7289,10 @@
       </p:grpSpPr>
       <p:sp>
         <p:nvSpPr>
-          <p:cNvPr id="2" name="Google Shape;54;p13">
-            <a:extLst>
-              <a:ext uri="{FF2B5EF4-FFF2-40B4-BE49-F238E27FC236}">
-                <a16:creationId xmlns:a16="http://schemas.microsoft.com/office/drawing/2014/main" id="{7BA22064-1651-98A0-9295-E49600C268E0}"/>
+          <p:cNvPr id="3" name="Google Shape;54;p13">
+            <a:extLst>
+              <a:ext uri="{FF2B5EF4-FFF2-40B4-BE49-F238E27FC236}">
+                <a16:creationId xmlns:a16="http://schemas.microsoft.com/office/drawing/2014/main" id="{60686511-DB29-6D9F-809A-1BFF356F4D2E}"/>
               </a:ext>
             </a:extLst>
           </p:cNvPr>
@@ -6169,8 +7301,8 @@
         </p:nvSpPr>
         <p:spPr>
           <a:xfrm>
-            <a:off x="-493987" y="0"/>
-            <a:ext cx="3727549" cy="784790"/>
+            <a:off x="1979568" y="214950"/>
+            <a:ext cx="8232864" cy="784790"/>
           </a:xfrm>
           <a:prstGeom prst="rect">
             <a:avLst/>
@@ -6198,23 +7330,17 @@
                 <a:cs typeface="Avenir"/>
                 <a:sym typeface="Avenir"/>
               </a:rPr>
-              <a:t>Final projects</a:t>
-            </a:r>
-            <a:endParaRPr sz="2800" dirty="0">
-              <a:latin typeface="Avenir"/>
-              <a:ea typeface="Avenir"/>
-              <a:cs typeface="Avenir"/>
-              <a:sym typeface="Avenir"/>
-            </a:endParaRPr>
+              <a:t>Final project report (due Dec 5)</a:t>
+            </a:r>
           </a:p>
         </p:txBody>
       </p:sp>
       <p:pic>
         <p:nvPicPr>
-          <p:cNvPr id="4" name="Picture 3" descr="A screenshot of a white paper&#10;&#10;Description automatically generated">
-            <a:extLst>
-              <a:ext uri="{FF2B5EF4-FFF2-40B4-BE49-F238E27FC236}">
-                <a16:creationId xmlns:a16="http://schemas.microsoft.com/office/drawing/2014/main" id="{FC6F9D57-4E47-243C-4D39-FF67724123F4}"/>
+          <p:cNvPr id="6" name="Picture 5" descr="A close-up of a questionnaire&#10;&#10;AI-generated content may be incorrect.">
+            <a:extLst>
+              <a:ext uri="{FF2B5EF4-FFF2-40B4-BE49-F238E27FC236}">
+                <a16:creationId xmlns:a16="http://schemas.microsoft.com/office/drawing/2014/main" id="{2D99B7A4-1B66-557C-11E0-C3B7E4F2CE72}"/>
               </a:ext>
             </a:extLst>
           </p:cNvPr>
@@ -6225,14 +7351,15 @@
         </p:nvPicPr>
         <p:blipFill>
           <a:blip r:embed="rId2"/>
+          <a:srcRect b="51083"/>
           <a:stretch>
             <a:fillRect/>
           </a:stretch>
         </p:blipFill>
         <p:spPr>
           <a:xfrm>
-            <a:off x="2830047" y="134912"/>
-            <a:ext cx="8657760" cy="6588175"/>
+            <a:off x="115291" y="999740"/>
+            <a:ext cx="11961417" cy="2647227"/>
           </a:xfrm>
           <a:prstGeom prst="rect">
             <a:avLst/>
@@ -6242,7 +7369,7 @@
     </p:spTree>
     <p:extLst>
       <p:ext uri="{BB962C8B-B14F-4D97-AF65-F5344CB8AC3E}">
-        <p14:creationId xmlns:p14="http://schemas.microsoft.com/office/powerpoint/2010/main" val="759364567"/>
+        <p14:creationId xmlns:p14="http://schemas.microsoft.com/office/powerpoint/2010/main" val="2770722445"/>
       </p:ext>
     </p:extLst>
   </p:cSld>
@@ -6257,7 +7384,13 @@
   <p:cSld>
     <p:spTree>
       <p:nvGrpSpPr>
-        <p:cNvPr id="1" name=""/>
+        <p:cNvPr id="1" name="">
+          <a:extLst>
+            <a:ext uri="{FF2B5EF4-FFF2-40B4-BE49-F238E27FC236}">
+              <a16:creationId xmlns:a16="http://schemas.microsoft.com/office/drawing/2014/main" id="{21120552-4E26-3256-C72B-B6026645FEFE}"/>
+            </a:ext>
+          </a:extLst>
+        </p:cNvPr>
         <p:cNvGrpSpPr/>
         <p:nvPr/>
       </p:nvGrpSpPr>
@@ -6271,10 +7404,10 @@
       </p:grpSpPr>
       <p:sp>
         <p:nvSpPr>
-          <p:cNvPr id="2" name="Google Shape;54;p13">
-            <a:extLst>
-              <a:ext uri="{FF2B5EF4-FFF2-40B4-BE49-F238E27FC236}">
-                <a16:creationId xmlns:a16="http://schemas.microsoft.com/office/drawing/2014/main" id="{7BA22064-1651-98A0-9295-E49600C268E0}"/>
+          <p:cNvPr id="3" name="Google Shape;54;p13">
+            <a:extLst>
+              <a:ext uri="{FF2B5EF4-FFF2-40B4-BE49-F238E27FC236}">
+                <a16:creationId xmlns:a16="http://schemas.microsoft.com/office/drawing/2014/main" id="{57E840E7-7927-F819-B613-B22ACB219726}"/>
               </a:ext>
             </a:extLst>
           </p:cNvPr>
@@ -6283,7 +7416,7 @@
         </p:nvSpPr>
         <p:spPr>
           <a:xfrm>
-            <a:off x="-84171" y="362095"/>
+            <a:off x="1979568" y="214950"/>
             <a:ext cx="8232864" cy="784790"/>
           </a:xfrm>
           <a:prstGeom prst="rect">
@@ -6312,41 +7445,17 @@
                 <a:cs typeface="Avenir"/>
                 <a:sym typeface="Avenir"/>
               </a:rPr>
-              <a:t>Machine learning </a:t>
-            </a:r>
-            <a:r>
-              <a:rPr lang="en-US" sz="2800" dirty="0" err="1">
-                <a:latin typeface="Avenir"/>
-                <a:ea typeface="Avenir"/>
-                <a:cs typeface="Avenir"/>
-                <a:sym typeface="Avenir"/>
-              </a:rPr>
-              <a:t>AirBnB</a:t>
-            </a:r>
-            <a:r>
-              <a:rPr lang="en-US" sz="2800" dirty="0">
-                <a:latin typeface="Avenir"/>
-                <a:ea typeface="Avenir"/>
-                <a:cs typeface="Avenir"/>
-                <a:sym typeface="Avenir"/>
-              </a:rPr>
-              <a:t> rates in Portland</a:t>
-            </a:r>
-            <a:endParaRPr sz="2800" dirty="0">
-              <a:latin typeface="Avenir"/>
-              <a:ea typeface="Avenir"/>
-              <a:cs typeface="Avenir"/>
-              <a:sym typeface="Avenir"/>
-            </a:endParaRPr>
+              <a:t>Final project report (due Dec 5)</a:t>
+            </a:r>
           </a:p>
         </p:txBody>
       </p:sp>
       <p:pic>
         <p:nvPicPr>
-          <p:cNvPr id="4" name="Picture 3" descr="A blue and white website&#10;&#10;Description automatically generated">
-            <a:extLst>
-              <a:ext uri="{FF2B5EF4-FFF2-40B4-BE49-F238E27FC236}">
-                <a16:creationId xmlns:a16="http://schemas.microsoft.com/office/drawing/2014/main" id="{C0A4A968-2C2B-833D-1AAE-F4F7D8A0DD94}"/>
+          <p:cNvPr id="6" name="Picture 5" descr="A close-up of a questionnaire&#10;&#10;AI-generated content may be incorrect.">
+            <a:extLst>
+              <a:ext uri="{FF2B5EF4-FFF2-40B4-BE49-F238E27FC236}">
+                <a16:creationId xmlns:a16="http://schemas.microsoft.com/office/drawing/2014/main" id="{A8E50609-8763-318C-31A5-41CF65B2F439}"/>
               </a:ext>
             </a:extLst>
           </p:cNvPr>
@@ -6356,88 +7465,15 @@
           <p:nvPr/>
         </p:nvPicPr>
         <p:blipFill>
-          <a:blip/>
+          <a:blip r:embed="rId2"/>
           <a:stretch>
             <a:fillRect/>
           </a:stretch>
         </p:blipFill>
         <p:spPr>
           <a:xfrm>
-            <a:off x="274364" y="1514295"/>
-            <a:ext cx="7772400" cy="2287030"/>
-          </a:xfrm>
-          <a:prstGeom prst="rect">
-            <a:avLst/>
-          </a:prstGeom>
-        </p:spPr>
-      </p:pic>
-      <p:sp>
-        <p:nvSpPr>
-          <p:cNvPr id="6" name="TextBox 5">
-            <a:extLst>
-              <a:ext uri="{FF2B5EF4-FFF2-40B4-BE49-F238E27FC236}">
-                <a16:creationId xmlns:a16="http://schemas.microsoft.com/office/drawing/2014/main" id="{D1D05426-E986-BDC1-678F-7713DD00866F}"/>
-              </a:ext>
-            </a:extLst>
-          </p:cNvPr>
-          <p:cNvSpPr txBox="1"/>
-          <p:nvPr/>
-        </p:nvSpPr>
-        <p:spPr>
-          <a:xfrm>
-            <a:off x="2817868" y="4701349"/>
-            <a:ext cx="3278132" cy="369332"/>
-          </a:xfrm>
-          <a:prstGeom prst="rect">
-            <a:avLst/>
-          </a:prstGeom>
-          <a:noFill/>
-        </p:spPr>
-        <p:txBody>
-          <a:bodyPr wrap="square">
-            <a:spAutoFit/>
-          </a:bodyPr>
-          <a:lstStyle/>
-          <a:p>
-            <a:r>
-              <a:rPr lang="en-US" dirty="0"/>
-              <a:t>https://</a:t>
-            </a:r>
-            <a:r>
-              <a:rPr lang="en-US" dirty="0" err="1"/>
-              <a:t>insideairbnb.com</a:t>
-            </a:r>
-            <a:r>
-              <a:rPr lang="en-US" dirty="0"/>
-              <a:t>/</a:t>
-            </a:r>
-          </a:p>
-        </p:txBody>
-      </p:sp>
-      <p:pic>
-        <p:nvPicPr>
-          <p:cNvPr id="8" name="Picture 7" descr="A screenshot of a social media account&#10;&#10;Description automatically generated">
-            <a:extLst>
-              <a:ext uri="{FF2B5EF4-FFF2-40B4-BE49-F238E27FC236}">
-                <a16:creationId xmlns:a16="http://schemas.microsoft.com/office/drawing/2014/main" id="{45BF2C36-AFE4-8788-1F59-69142BB09D7A}"/>
-              </a:ext>
-            </a:extLst>
-          </p:cNvPr>
-          <p:cNvPicPr>
-            <a:picLocks noChangeAspect="1"/>
-          </p:cNvPicPr>
-          <p:nvPr/>
-        </p:nvPicPr>
-        <p:blipFill>
-          <a:blip/>
-          <a:stretch>
-            <a:fillRect/>
-          </a:stretch>
-        </p:blipFill>
-        <p:spPr>
-          <a:xfrm>
-            <a:off x="8250621" y="107043"/>
-            <a:ext cx="3856201" cy="6643913"/>
+            <a:off x="115291" y="999740"/>
+            <a:ext cx="11961417" cy="5411693"/>
           </a:xfrm>
           <a:prstGeom prst="rect">
             <a:avLst/>
@@ -6447,7 +7483,7 @@
     </p:spTree>
     <p:extLst>
       <p:ext uri="{BB962C8B-B14F-4D97-AF65-F5344CB8AC3E}">
-        <p14:creationId xmlns:p14="http://schemas.microsoft.com/office/powerpoint/2010/main" val="936755185"/>
+        <p14:creationId xmlns:p14="http://schemas.microsoft.com/office/powerpoint/2010/main" val="4132733504"/>
       </p:ext>
     </p:extLst>
   </p:cSld>
@@ -6462,7 +7498,13 @@
   <p:cSld>
     <p:spTree>
       <p:nvGrpSpPr>
-        <p:cNvPr id="1" name=""/>
+        <p:cNvPr id="1" name="">
+          <a:extLst>
+            <a:ext uri="{FF2B5EF4-FFF2-40B4-BE49-F238E27FC236}">
+              <a16:creationId xmlns:a16="http://schemas.microsoft.com/office/drawing/2014/main" id="{167F8D31-A7FE-6EE7-826B-167A3DC17D74}"/>
+            </a:ext>
+          </a:extLst>
+        </p:cNvPr>
         <p:cNvGrpSpPr/>
         <p:nvPr/>
       </p:nvGrpSpPr>
@@ -6476,10 +7518,10 @@
       </p:grpSpPr>
       <p:sp>
         <p:nvSpPr>
-          <p:cNvPr id="2" name="Google Shape;54;p13">
-            <a:extLst>
-              <a:ext uri="{FF2B5EF4-FFF2-40B4-BE49-F238E27FC236}">
-                <a16:creationId xmlns:a16="http://schemas.microsoft.com/office/drawing/2014/main" id="{7BA22064-1651-98A0-9295-E49600C268E0}"/>
+          <p:cNvPr id="3" name="Google Shape;54;p13">
+            <a:extLst>
+              <a:ext uri="{FF2B5EF4-FFF2-40B4-BE49-F238E27FC236}">
+                <a16:creationId xmlns:a16="http://schemas.microsoft.com/office/drawing/2014/main" id="{3FA5AAC5-6748-9A41-ABC5-F971ED903DB4}"/>
               </a:ext>
             </a:extLst>
           </p:cNvPr>
@@ -6488,8 +7530,8 @@
         </p:nvSpPr>
         <p:spPr>
           <a:xfrm>
-            <a:off x="446690" y="199590"/>
-            <a:ext cx="11298620" cy="784790"/>
+            <a:off x="1979568" y="214950"/>
+            <a:ext cx="8232864" cy="784790"/>
           </a:xfrm>
           <a:prstGeom prst="rect">
             <a:avLst/>
@@ -6517,73 +7559,99 @@
                 <a:cs typeface="Avenir"/>
                 <a:sym typeface="Avenir"/>
               </a:rPr>
-              <a:t>Post-fire vegetation recovery for the Holiday Farm Fire, Oregon</a:t>
-            </a:r>
-          </a:p>
-        </p:txBody>
-      </p:sp>
-      <p:pic>
-        <p:nvPicPr>
-          <p:cNvPr id="4" name="Picture 3" descr="A screenshot of a red and yellow map&#10;&#10;Description automatically generated">
-            <a:extLst>
-              <a:ext uri="{FF2B5EF4-FFF2-40B4-BE49-F238E27FC236}">
-                <a16:creationId xmlns:a16="http://schemas.microsoft.com/office/drawing/2014/main" id="{DEDA747B-4397-1B83-E2AE-1870C66775B3}"/>
-              </a:ext>
-            </a:extLst>
-          </p:cNvPr>
-          <p:cNvPicPr>
-            <a:picLocks noChangeAspect="1"/>
-          </p:cNvPicPr>
+              <a:t>Final project presentations (week starting Dec 1)</a:t>
+            </a:r>
+          </a:p>
+        </p:txBody>
+      </p:sp>
+      <p:sp>
+        <p:nvSpPr>
+          <p:cNvPr id="2" name="TextBox 1">
+            <a:extLst>
+              <a:ext uri="{FF2B5EF4-FFF2-40B4-BE49-F238E27FC236}">
+                <a16:creationId xmlns:a16="http://schemas.microsoft.com/office/drawing/2014/main" id="{11B5843B-7EC5-AACE-EBDF-51AE5BD1D049}"/>
+              </a:ext>
+            </a:extLst>
+          </p:cNvPr>
+          <p:cNvSpPr txBox="1"/>
           <p:nvPr/>
-        </p:nvPicPr>
-        <p:blipFill rotWithShape="1">
-          <a:blip/>
-          <a:srcRect r="2235" b="58467"/>
-          <a:stretch/>
-        </p:blipFill>
+        </p:nvSpPr>
         <p:spPr>
           <a:xfrm>
-            <a:off x="2465294" y="830317"/>
-            <a:ext cx="7099120" cy="2848303"/>
+            <a:off x="414668" y="1158948"/>
+            <a:ext cx="6932429" cy="1631216"/>
           </a:xfrm>
           <a:prstGeom prst="rect">
             <a:avLst/>
           </a:prstGeom>
+          <a:noFill/>
         </p:spPr>
-      </p:pic>
-      <p:pic>
-        <p:nvPicPr>
-          <p:cNvPr id="5" name="Picture 4" descr="A screenshot of a red and yellow map&#10;&#10;Description automatically generated">
-            <a:extLst>
-              <a:ext uri="{FF2B5EF4-FFF2-40B4-BE49-F238E27FC236}">
-                <a16:creationId xmlns:a16="http://schemas.microsoft.com/office/drawing/2014/main" id="{51DD65AD-3A11-4B10-3606-7DF3576F490A}"/>
-              </a:ext>
-            </a:extLst>
-          </p:cNvPr>
-          <p:cNvPicPr>
-            <a:picLocks noChangeAspect="1"/>
-          </p:cNvPicPr>
-          <p:nvPr/>
-        </p:nvPicPr>
-        <p:blipFill rotWithShape="1">
-          <a:blip/>
-          <a:srcRect t="53410" r="1221"/>
-          <a:stretch/>
-        </p:blipFill>
-        <p:spPr>
-          <a:xfrm>
-            <a:off x="2465294" y="3678620"/>
-            <a:ext cx="7172692" cy="3195145"/>
-          </a:xfrm>
-          <a:prstGeom prst="rect">
-            <a:avLst/>
-          </a:prstGeom>
-        </p:spPr>
-      </p:pic>
+        <p:txBody>
+          <a:bodyPr wrap="square" rtlCol="0">
+            <a:spAutoFit/>
+          </a:bodyPr>
+          <a:lstStyle/>
+          <a:p>
+            <a:pPr marL="285750" indent="-285750">
+              <a:buFont typeface="Arial" panose="020B0604020202020204" pitchFamily="34" charset="0"/>
+              <a:buChar char="•"/>
+            </a:pPr>
+            <a:r>
+              <a:rPr lang="en-US" sz="2000" dirty="0">
+                <a:latin typeface="Avenir Book" panose="02000503020000020003" pitchFamily="2" charset="0"/>
+              </a:rPr>
+              <a:t>10-minute presentation with 2 minutes for questions</a:t>
+            </a:r>
+          </a:p>
+          <a:p>
+            <a:pPr marL="285750" indent="-285750">
+              <a:buFont typeface="Arial" panose="020B0604020202020204" pitchFamily="34" charset="0"/>
+              <a:buChar char="•"/>
+            </a:pPr>
+            <a:endParaRPr lang="en-US" sz="2000" dirty="0">
+              <a:latin typeface="Avenir Book" panose="02000503020000020003" pitchFamily="2" charset="0"/>
+            </a:endParaRPr>
+          </a:p>
+          <a:p>
+            <a:pPr marL="285750" indent="-285750">
+              <a:buFont typeface="Arial" panose="020B0604020202020204" pitchFamily="34" charset="0"/>
+              <a:buChar char="•"/>
+            </a:pPr>
+            <a:r>
+              <a:rPr lang="en-US" sz="2000" dirty="0">
+                <a:latin typeface="Avenir Book" panose="02000503020000020003" pitchFamily="2" charset="0"/>
+              </a:rPr>
+              <a:t>10 slides, one minute per slide</a:t>
+            </a:r>
+          </a:p>
+          <a:p>
+            <a:pPr marL="285750" indent="-285750">
+              <a:buFont typeface="Arial" panose="020B0604020202020204" pitchFamily="34" charset="0"/>
+              <a:buChar char="•"/>
+            </a:pPr>
+            <a:endParaRPr lang="en-US" sz="2000" dirty="0">
+              <a:latin typeface="Avenir Book" panose="02000503020000020003" pitchFamily="2" charset="0"/>
+            </a:endParaRPr>
+          </a:p>
+          <a:p>
+            <a:pPr marL="285750" indent="-285750">
+              <a:buFont typeface="Arial" panose="020B0604020202020204" pitchFamily="34" charset="0"/>
+              <a:buChar char="•"/>
+            </a:pPr>
+            <a:r>
+              <a:rPr lang="en-US" sz="2000" dirty="0">
+                <a:latin typeface="Avenir Book" panose="02000503020000020003" pitchFamily="2" charset="0"/>
+              </a:rPr>
+              <a:t>Similar structure to final project reports</a:t>
+            </a:r>
+            <a:endParaRPr lang="en-US" dirty="0"/>
+          </a:p>
+        </p:txBody>
+      </p:sp>
     </p:spTree>
     <p:extLst>
       <p:ext uri="{BB962C8B-B14F-4D97-AF65-F5344CB8AC3E}">
-        <p14:creationId xmlns:p14="http://schemas.microsoft.com/office/powerpoint/2010/main" val="3915567624"/>
+        <p14:creationId xmlns:p14="http://schemas.microsoft.com/office/powerpoint/2010/main" val="4087066205"/>
       </p:ext>
     </p:extLst>
   </p:cSld>
